--- a/Imen_KADRI_3_presentation_072022.pptx
+++ b/Imen_KADRI_3_presentation_072022.pptx
@@ -5,40 +5,41 @@
     <p:sldMasterId id="2147483649" r:id="rId1"/>
   </p:sldMasterIdLst>
   <p:notesMasterIdLst>
-    <p:notesMasterId r:id="rId30"/>
+    <p:notesMasterId r:id="rId31"/>
   </p:notesMasterIdLst>
   <p:handoutMasterIdLst>
-    <p:handoutMasterId r:id="rId31"/>
+    <p:handoutMasterId r:id="rId32"/>
   </p:handoutMasterIdLst>
   <p:sldIdLst>
-    <p:sldId id="546" r:id="rId2"/>
-    <p:sldId id="286" r:id="rId3"/>
-    <p:sldId id="575" r:id="rId4"/>
-    <p:sldId id="449" r:id="rId5"/>
-    <p:sldId id="550" r:id="rId6"/>
-    <p:sldId id="576" r:id="rId7"/>
-    <p:sldId id="577" r:id="rId8"/>
-    <p:sldId id="579" r:id="rId9"/>
-    <p:sldId id="584" r:id="rId10"/>
-    <p:sldId id="580" r:id="rId11"/>
-    <p:sldId id="581" r:id="rId12"/>
-    <p:sldId id="599" r:id="rId13"/>
-    <p:sldId id="582" r:id="rId14"/>
-    <p:sldId id="583" r:id="rId15"/>
-    <p:sldId id="585" r:id="rId16"/>
-    <p:sldId id="586" r:id="rId17"/>
-    <p:sldId id="587" r:id="rId18"/>
-    <p:sldId id="588" r:id="rId19"/>
-    <p:sldId id="589" r:id="rId20"/>
-    <p:sldId id="590" r:id="rId21"/>
-    <p:sldId id="592" r:id="rId22"/>
-    <p:sldId id="593" r:id="rId23"/>
-    <p:sldId id="594" r:id="rId24"/>
-    <p:sldId id="596" r:id="rId25"/>
-    <p:sldId id="598" r:id="rId26"/>
-    <p:sldId id="601" r:id="rId27"/>
-    <p:sldId id="490" r:id="rId28"/>
-    <p:sldId id="412" r:id="rId29"/>
+    <p:sldId id="256" r:id="rId2"/>
+    <p:sldId id="546" r:id="rId3"/>
+    <p:sldId id="286" r:id="rId4"/>
+    <p:sldId id="575" r:id="rId5"/>
+    <p:sldId id="449" r:id="rId6"/>
+    <p:sldId id="550" r:id="rId7"/>
+    <p:sldId id="576" r:id="rId8"/>
+    <p:sldId id="577" r:id="rId9"/>
+    <p:sldId id="579" r:id="rId10"/>
+    <p:sldId id="584" r:id="rId11"/>
+    <p:sldId id="580" r:id="rId12"/>
+    <p:sldId id="581" r:id="rId13"/>
+    <p:sldId id="599" r:id="rId14"/>
+    <p:sldId id="582" r:id="rId15"/>
+    <p:sldId id="583" r:id="rId16"/>
+    <p:sldId id="585" r:id="rId17"/>
+    <p:sldId id="586" r:id="rId18"/>
+    <p:sldId id="587" r:id="rId19"/>
+    <p:sldId id="588" r:id="rId20"/>
+    <p:sldId id="589" r:id="rId21"/>
+    <p:sldId id="590" r:id="rId22"/>
+    <p:sldId id="592" r:id="rId23"/>
+    <p:sldId id="593" r:id="rId24"/>
+    <p:sldId id="594" r:id="rId25"/>
+    <p:sldId id="596" r:id="rId26"/>
+    <p:sldId id="598" r:id="rId27"/>
+    <p:sldId id="601" r:id="rId28"/>
+    <p:sldId id="490" r:id="rId29"/>
+    <p:sldId id="412" r:id="rId30"/>
   </p:sldIdLst>
   <p:sldSz cx="9144000" cy="6858000" type="screen4x3"/>
   <p:notesSz cx="6797675" cy="9928225"/>
@@ -866,6 +867,234 @@
       </p:grpSpPr>
       <p:sp>
         <p:nvSpPr>
+          <p:cNvPr id="6146" name="投影片圖像版面配置區 1"/>
+          <p:cNvSpPr>
+            <a:spLocks noGrp="1" noRot="1" noChangeAspect="1" noTextEdit="1"/>
+          </p:cNvSpPr>
+          <p:nvPr>
+            <p:ph type="sldImg"/>
+          </p:nvPr>
+        </p:nvSpPr>
+        <p:spPr>
+          <a:ln/>
+        </p:spPr>
+      </p:sp>
+      <p:sp>
+        <p:nvSpPr>
+          <p:cNvPr id="6147" name="備忘稿版面配置區 2"/>
+          <p:cNvSpPr>
+            <a:spLocks noGrp="1"/>
+          </p:cNvSpPr>
+          <p:nvPr>
+            <p:ph type="body" idx="1"/>
+          </p:nvPr>
+        </p:nvSpPr>
+        <p:spPr>
+          <a:noFill/>
+          <a:ln/>
+          <a:extLst>
+            <a:ext uri="{909E8E84-426E-40DD-AFC4-6F175D3DCCD1}">
+              <a14:hiddenFill xmlns:a14="http://schemas.microsoft.com/office/drawing/2010/main">
+                <a:solidFill>
+                  <a:srgbClr val="FFFFFF"/>
+                </a:solidFill>
+              </a14:hiddenFill>
+            </a:ext>
+            <a:ext uri="{91240B29-F687-4F45-9708-019B960494DF}">
+              <a14:hiddenLine xmlns:a14="http://schemas.microsoft.com/office/drawing/2010/main" w="9525">
+                <a:solidFill>
+                  <a:srgbClr val="000000"/>
+                </a:solidFill>
+                <a:miter lim="800000"/>
+                <a:headEnd/>
+                <a:tailEnd/>
+              </a14:hiddenLine>
+            </a:ext>
+          </a:extLst>
+        </p:spPr>
+        <p:txBody>
+          <a:bodyPr/>
+          <a:lstStyle/>
+          <a:p>
+            <a:endParaRPr lang="fr-FR" dirty="0"/>
+          </a:p>
+        </p:txBody>
+      </p:sp>
+      <p:sp>
+        <p:nvSpPr>
+          <p:cNvPr id="6148" name="投影片編號版面配置區 3"/>
+          <p:cNvSpPr>
+            <a:spLocks noGrp="1"/>
+          </p:cNvSpPr>
+          <p:nvPr>
+            <p:ph type="sldNum" sz="quarter" idx="5"/>
+          </p:nvPr>
+        </p:nvSpPr>
+        <p:spPr>
+          <a:noFill/>
+          <a:ln/>
+          <a:extLst>
+            <a:ext uri="{909E8E84-426E-40DD-AFC4-6F175D3DCCD1}">
+              <a14:hiddenFill xmlns:a14="http://schemas.microsoft.com/office/drawing/2010/main">
+                <a:solidFill>
+                  <a:srgbClr val="FFFFFF"/>
+                </a:solidFill>
+              </a14:hiddenFill>
+            </a:ext>
+            <a:ext uri="{91240B29-F687-4F45-9708-019B960494DF}">
+              <a14:hiddenLine xmlns:a14="http://schemas.microsoft.com/office/drawing/2010/main" w="9525">
+                <a:solidFill>
+                  <a:srgbClr val="000000"/>
+                </a:solidFill>
+                <a:miter lim="800000"/>
+                <a:headEnd/>
+                <a:tailEnd/>
+              </a14:hiddenLine>
+            </a:ext>
+          </a:extLst>
+        </p:spPr>
+        <p:txBody>
+          <a:bodyPr/>
+          <a:lstStyle>
+            <a:lvl1pPr>
+              <a:defRPr>
+                <a:solidFill>
+                  <a:schemeClr val="tx1"/>
+                </a:solidFill>
+                <a:latin typeface="Arial" panose="020B0604020202020204" pitchFamily="34" charset="0"/>
+              </a:defRPr>
+            </a:lvl1pPr>
+            <a:lvl2pPr marL="742950" indent="-285750">
+              <a:defRPr>
+                <a:solidFill>
+                  <a:schemeClr val="tx1"/>
+                </a:solidFill>
+                <a:latin typeface="Arial" panose="020B0604020202020204" pitchFamily="34" charset="0"/>
+              </a:defRPr>
+            </a:lvl2pPr>
+            <a:lvl3pPr marL="1143000" indent="-228600">
+              <a:defRPr>
+                <a:solidFill>
+                  <a:schemeClr val="tx1"/>
+                </a:solidFill>
+                <a:latin typeface="Arial" panose="020B0604020202020204" pitchFamily="34" charset="0"/>
+              </a:defRPr>
+            </a:lvl3pPr>
+            <a:lvl4pPr marL="1600200" indent="-228600">
+              <a:defRPr>
+                <a:solidFill>
+                  <a:schemeClr val="tx1"/>
+                </a:solidFill>
+                <a:latin typeface="Arial" panose="020B0604020202020204" pitchFamily="34" charset="0"/>
+              </a:defRPr>
+            </a:lvl4pPr>
+            <a:lvl5pPr marL="2057400" indent="-228600">
+              <a:defRPr>
+                <a:solidFill>
+                  <a:schemeClr val="tx1"/>
+                </a:solidFill>
+                <a:latin typeface="Arial" panose="020B0604020202020204" pitchFamily="34" charset="0"/>
+              </a:defRPr>
+            </a:lvl5pPr>
+            <a:lvl6pPr marL="2514600" indent="-228600" eaLnBrk="0" fontAlgn="base" hangingPunct="0">
+              <a:spcBef>
+                <a:spcPct val="0"/>
+              </a:spcBef>
+              <a:spcAft>
+                <a:spcPct val="0"/>
+              </a:spcAft>
+              <a:defRPr>
+                <a:solidFill>
+                  <a:schemeClr val="tx1"/>
+                </a:solidFill>
+                <a:latin typeface="Arial" panose="020B0604020202020204" pitchFamily="34" charset="0"/>
+              </a:defRPr>
+            </a:lvl6pPr>
+            <a:lvl7pPr marL="2971800" indent="-228600" eaLnBrk="0" fontAlgn="base" hangingPunct="0">
+              <a:spcBef>
+                <a:spcPct val="0"/>
+              </a:spcBef>
+              <a:spcAft>
+                <a:spcPct val="0"/>
+              </a:spcAft>
+              <a:defRPr>
+                <a:solidFill>
+                  <a:schemeClr val="tx1"/>
+                </a:solidFill>
+                <a:latin typeface="Arial" panose="020B0604020202020204" pitchFamily="34" charset="0"/>
+              </a:defRPr>
+            </a:lvl7pPr>
+            <a:lvl8pPr marL="3429000" indent="-228600" eaLnBrk="0" fontAlgn="base" hangingPunct="0">
+              <a:spcBef>
+                <a:spcPct val="0"/>
+              </a:spcBef>
+              <a:spcAft>
+                <a:spcPct val="0"/>
+              </a:spcAft>
+              <a:defRPr>
+                <a:solidFill>
+                  <a:schemeClr val="tx1"/>
+                </a:solidFill>
+                <a:latin typeface="Arial" panose="020B0604020202020204" pitchFamily="34" charset="0"/>
+              </a:defRPr>
+            </a:lvl8pPr>
+            <a:lvl9pPr marL="3886200" indent="-228600" eaLnBrk="0" fontAlgn="base" hangingPunct="0">
+              <a:spcBef>
+                <a:spcPct val="0"/>
+              </a:spcBef>
+              <a:spcAft>
+                <a:spcPct val="0"/>
+              </a:spcAft>
+              <a:defRPr>
+                <a:solidFill>
+                  <a:schemeClr val="tx1"/>
+                </a:solidFill>
+                <a:latin typeface="Arial" panose="020B0604020202020204" pitchFamily="34" charset="0"/>
+              </a:defRPr>
+            </a:lvl9pPr>
+          </a:lstStyle>
+          <a:p>
+            <a:fld id="{23D6B51D-B05D-4088-9FBC-A75982A06E1E}" type="slidenum">
+              <a:rPr lang="en-US" altLang="zh-TW" smtClean="0"/>
+              <a:pPr/>
+              <a:t>1</a:t>
+            </a:fld>
+            <a:endParaRPr lang="en-US" altLang="zh-TW"/>
+          </a:p>
+        </p:txBody>
+      </p:sp>
+    </p:spTree>
+    <p:extLst>
+      <p:ext uri="{BB962C8B-B14F-4D97-AF65-F5344CB8AC3E}">
+        <p14:creationId xmlns:p14="http://schemas.microsoft.com/office/powerpoint/2010/main" val="2699825700"/>
+      </p:ext>
+    </p:extLst>
+  </p:cSld>
+  <p:clrMapOvr>
+    <a:masterClrMapping/>
+  </p:clrMapOvr>
+</p:notes>
+</file>
+
+<file path=ppt/notesSlides/notesSlide10.xml><?xml version="1.0" encoding="utf-8"?>
+<p:notes xmlns:a="http://schemas.openxmlformats.org/drawingml/2006/main" xmlns:r="http://schemas.openxmlformats.org/officeDocument/2006/relationships" xmlns:p="http://schemas.openxmlformats.org/presentationml/2006/main">
+  <p:cSld>
+    <p:spTree>
+      <p:nvGrpSpPr>
+        <p:cNvPr id="1" name=""/>
+        <p:cNvGrpSpPr/>
+        <p:nvPr/>
+      </p:nvGrpSpPr>
+      <p:grpSpPr>
+        <a:xfrm>
+          <a:off x="0" y="0"/>
+          <a:ext cx="0" cy="0"/>
+          <a:chOff x="0" y="0"/>
+          <a:chExt cx="0" cy="0"/>
+        </a:xfrm>
+      </p:grpSpPr>
+      <p:sp>
+        <p:nvSpPr>
           <p:cNvPr id="8194" name="Espace réservé de l'image des diapositives 1"/>
           <p:cNvSpPr>
             <a:spLocks noGrp="1" noRot="1" noChangeAspect="1" noTextEdit="1"/>
@@ -915,103 +1144,36 @@
           <a:bodyPr/>
           <a:lstStyle/>
           <a:p>
-            <a:r>
-              <a:rPr lang="fr-FR" dirty="0"/>
-              <a:t>Cette présentation suit</a:t>
-            </a:r>
-            <a:r>
-              <a:rPr lang="fr-FR" baseline="0" dirty="0"/>
-              <a:t> le plan suivant:</a:t>
-            </a:r>
-          </a:p>
-          <a:p>
-            <a:r>
-              <a:rPr lang="fr-FR" baseline="0" dirty="0"/>
-              <a:t>-tout d’abord je vais parler de  cadre général de la thèse</a:t>
-            </a:r>
-          </a:p>
-          <a:p>
-            <a:pPr>
-              <a:buFontTx/>
-              <a:buChar char="-"/>
-            </a:pPr>
-            <a:r>
-              <a:rPr lang="fr-FR" baseline="0" dirty="0"/>
-              <a:t>La partie du codage des images stéréo va s’intéresser en premier lieu  au schéma de la compression  par compensation de disparité</a:t>
-            </a:r>
-          </a:p>
-          <a:p>
-            <a:pPr>
-              <a:buFontTx/>
-              <a:buChar char="-"/>
-            </a:pPr>
-            <a:r>
-              <a:rPr lang="fr-FR" baseline="0" dirty="0"/>
-              <a:t>Puis à  la formulation du problème d’optimisation ainsi </a:t>
-            </a:r>
-          </a:p>
-          <a:p>
-            <a:pPr>
-              <a:buFontTx/>
-              <a:buChar char="-"/>
-            </a:pPr>
-            <a:r>
-              <a:rPr lang="fr-FR" baseline="0" dirty="0"/>
-              <a:t>Concernant les  solutions sous optimales je vais présenter </a:t>
-            </a:r>
-          </a:p>
-          <a:p>
-            <a:pPr>
-              <a:buFontTx/>
-              <a:buNone/>
-            </a:pPr>
-            <a:r>
-              <a:rPr lang="fr-FR" baseline="0" dirty="0"/>
-              <a:t>l’algorithme classique du block </a:t>
-            </a:r>
-            <a:r>
-              <a:rPr lang="fr-FR" baseline="0" dirty="0" err="1"/>
-              <a:t>matching</a:t>
-            </a:r>
-            <a:r>
-              <a:rPr lang="fr-FR" baseline="0" dirty="0"/>
-              <a:t> et deux autres propositions.</a:t>
-            </a:r>
-          </a:p>
-          <a:p>
-            <a:pPr>
-              <a:buFontTx/>
-              <a:buChar char="-"/>
-            </a:pPr>
-            <a:r>
-              <a:rPr lang="fr-FR" baseline="0" dirty="0"/>
-              <a:t>La partie suivante sera pour la conclusion</a:t>
-            </a:r>
-          </a:p>
-          <a:p>
-            <a:pPr>
-              <a:buFontTx/>
-              <a:buChar char="-"/>
-            </a:pPr>
-            <a:r>
-              <a:rPr lang="fr-FR" baseline="0" dirty="0"/>
-              <a:t>Enfin on va introduire le </a:t>
-            </a:r>
-            <a:r>
-              <a:rPr lang="fr-FR" baseline="0" dirty="0" err="1"/>
-              <a:t>deroulement</a:t>
-            </a:r>
-            <a:r>
-              <a:rPr lang="fr-FR" baseline="0" dirty="0"/>
-              <a:t> de la thèse</a:t>
-            </a:r>
-          </a:p>
-          <a:p>
-            <a:pPr>
-              <a:buFontTx/>
-              <a:buChar char="-"/>
-            </a:pPr>
-            <a:endParaRPr lang="fr-FR" dirty="0"/>
+            <a:pPr marL="182563" indent="-182563" algn="just" eaLnBrk="1" hangingPunct="1">
+              <a:lnSpc>
+                <a:spcPct val="150000"/>
+              </a:lnSpc>
+            </a:pPr>
+            <a:r>
+              <a:rPr lang="fr-FR" altLang="fr-FR" sz="1200" b="1" dirty="0"/>
+              <a:t>Proposition de trois algorithmes originaux pour améliorer le </a:t>
+            </a:r>
+            <a:r>
+              <a:rPr lang="en-US" altLang="zh-TW" sz="1200" b="1" dirty="0" err="1">
+                <a:ea typeface="新細明體" pitchFamily="18" charset="-120"/>
+              </a:rPr>
+              <a:t>schéma</a:t>
+            </a:r>
+            <a:r>
+              <a:rPr lang="en-US" altLang="zh-TW" sz="1200" b="1" dirty="0">
+                <a:ea typeface="新細明體" pitchFamily="18" charset="-120"/>
+              </a:rPr>
+              <a:t> de Compression par Compensation de </a:t>
+            </a:r>
+            <a:r>
+              <a:rPr lang="en-US" altLang="zh-TW" sz="1200" b="1" dirty="0" err="1">
+                <a:ea typeface="新細明體" pitchFamily="18" charset="-120"/>
+              </a:rPr>
+              <a:t>Disparité</a:t>
+            </a:r>
+            <a:endParaRPr lang="en-US" altLang="zh-TW" sz="1200" b="1" dirty="0">
+              <a:ea typeface="新細明體" pitchFamily="18" charset="-120"/>
+            </a:endParaRPr>
           </a:p>
         </p:txBody>
       </p:sp>
@@ -1152,7 +1314,331 @@
             <a:fld id="{F2D0FA54-90E1-4109-AD66-269BEB473B60}" type="slidenum">
               <a:rPr lang="en-US" altLang="zh-TW" smtClean="0"/>
               <a:pPr/>
-              <a:t>1</a:t>
+              <a:t>28</a:t>
+            </a:fld>
+            <a:endParaRPr lang="en-US" altLang="zh-TW"/>
+          </a:p>
+        </p:txBody>
+      </p:sp>
+    </p:spTree>
+    <p:extLst>
+      <p:ext uri="{BB962C8B-B14F-4D97-AF65-F5344CB8AC3E}">
+        <p14:creationId xmlns:p14="http://schemas.microsoft.com/office/powerpoint/2010/main" val="3003706865"/>
+      </p:ext>
+    </p:extLst>
+  </p:cSld>
+  <p:clrMapOvr>
+    <a:masterClrMapping/>
+  </p:clrMapOvr>
+</p:notes>
+</file>
+
+<file path=ppt/notesSlides/notesSlide2.xml><?xml version="1.0" encoding="utf-8"?>
+<p:notes xmlns:a="http://schemas.openxmlformats.org/drawingml/2006/main" xmlns:r="http://schemas.openxmlformats.org/officeDocument/2006/relationships" xmlns:p="http://schemas.openxmlformats.org/presentationml/2006/main">
+  <p:cSld>
+    <p:spTree>
+      <p:nvGrpSpPr>
+        <p:cNvPr id="1" name=""/>
+        <p:cNvGrpSpPr/>
+        <p:nvPr/>
+      </p:nvGrpSpPr>
+      <p:grpSpPr>
+        <a:xfrm>
+          <a:off x="0" y="0"/>
+          <a:ext cx="0" cy="0"/>
+          <a:chOff x="0" y="0"/>
+          <a:chExt cx="0" cy="0"/>
+        </a:xfrm>
+      </p:grpSpPr>
+      <p:sp>
+        <p:nvSpPr>
+          <p:cNvPr id="8194" name="Espace réservé de l'image des diapositives 1"/>
+          <p:cNvSpPr>
+            <a:spLocks noGrp="1" noRot="1" noChangeAspect="1" noTextEdit="1"/>
+          </p:cNvSpPr>
+          <p:nvPr>
+            <p:ph type="sldImg"/>
+          </p:nvPr>
+        </p:nvSpPr>
+        <p:spPr>
+          <a:ln/>
+        </p:spPr>
+      </p:sp>
+      <p:sp>
+        <p:nvSpPr>
+          <p:cNvPr id="8195" name="Espace réservé des notes 2"/>
+          <p:cNvSpPr>
+            <a:spLocks noGrp="1"/>
+          </p:cNvSpPr>
+          <p:nvPr>
+            <p:ph type="body" idx="1"/>
+          </p:nvPr>
+        </p:nvSpPr>
+        <p:spPr>
+          <a:noFill/>
+          <a:ln/>
+          <a:extLst>
+            <a:ext uri="{909E8E84-426E-40DD-AFC4-6F175D3DCCD1}">
+              <a14:hiddenFill xmlns:a14="http://schemas.microsoft.com/office/drawing/2010/main">
+                <a:solidFill>
+                  <a:srgbClr val="FFFFFF"/>
+                </a:solidFill>
+              </a14:hiddenFill>
+            </a:ext>
+            <a:ext uri="{91240B29-F687-4F45-9708-019B960494DF}">
+              <a14:hiddenLine xmlns:a14="http://schemas.microsoft.com/office/drawing/2010/main" w="9525">
+                <a:solidFill>
+                  <a:srgbClr val="000000"/>
+                </a:solidFill>
+                <a:miter lim="800000"/>
+                <a:headEnd/>
+                <a:tailEnd/>
+              </a14:hiddenLine>
+            </a:ext>
+          </a:extLst>
+        </p:spPr>
+        <p:txBody>
+          <a:bodyPr/>
+          <a:lstStyle/>
+          <a:p>
+            <a:r>
+              <a:rPr lang="fr-FR" dirty="0"/>
+              <a:t>Cette présentation suit</a:t>
+            </a:r>
+            <a:r>
+              <a:rPr lang="fr-FR" baseline="0" dirty="0"/>
+              <a:t> le plan suivant:</a:t>
+            </a:r>
+          </a:p>
+          <a:p>
+            <a:r>
+              <a:rPr lang="fr-FR" baseline="0" dirty="0"/>
+              <a:t>-tout d’abord je vais parler de  cadre général de la thèse</a:t>
+            </a:r>
+          </a:p>
+          <a:p>
+            <a:pPr>
+              <a:buFontTx/>
+              <a:buChar char="-"/>
+            </a:pPr>
+            <a:r>
+              <a:rPr lang="fr-FR" baseline="0" dirty="0"/>
+              <a:t>La partie du codage des images stéréo va s’intéresser en premier lieu  au schéma de la compression  par compensation de disparité</a:t>
+            </a:r>
+          </a:p>
+          <a:p>
+            <a:pPr>
+              <a:buFontTx/>
+              <a:buChar char="-"/>
+            </a:pPr>
+            <a:r>
+              <a:rPr lang="fr-FR" baseline="0" dirty="0"/>
+              <a:t>Puis à  la formulation du problème d’optimisation ainsi </a:t>
+            </a:r>
+          </a:p>
+          <a:p>
+            <a:pPr>
+              <a:buFontTx/>
+              <a:buChar char="-"/>
+            </a:pPr>
+            <a:r>
+              <a:rPr lang="fr-FR" baseline="0" dirty="0"/>
+              <a:t>Concernant les  solutions sous optimales je vais présenter </a:t>
+            </a:r>
+          </a:p>
+          <a:p>
+            <a:pPr>
+              <a:buFontTx/>
+              <a:buNone/>
+            </a:pPr>
+            <a:r>
+              <a:rPr lang="fr-FR" baseline="0" dirty="0"/>
+              <a:t>l’algorithme classique du block </a:t>
+            </a:r>
+            <a:r>
+              <a:rPr lang="fr-FR" baseline="0" dirty="0" err="1"/>
+              <a:t>matching</a:t>
+            </a:r>
+            <a:r>
+              <a:rPr lang="fr-FR" baseline="0" dirty="0"/>
+              <a:t> et deux autres propositions.</a:t>
+            </a:r>
+          </a:p>
+          <a:p>
+            <a:pPr>
+              <a:buFontTx/>
+              <a:buChar char="-"/>
+            </a:pPr>
+            <a:r>
+              <a:rPr lang="fr-FR" baseline="0" dirty="0"/>
+              <a:t>La partie suivante sera pour la conclusion</a:t>
+            </a:r>
+          </a:p>
+          <a:p>
+            <a:pPr>
+              <a:buFontTx/>
+              <a:buChar char="-"/>
+            </a:pPr>
+            <a:r>
+              <a:rPr lang="fr-FR" baseline="0" dirty="0"/>
+              <a:t>Enfin on va introduire le </a:t>
+            </a:r>
+            <a:r>
+              <a:rPr lang="fr-FR" baseline="0" dirty="0" err="1"/>
+              <a:t>deroulement</a:t>
+            </a:r>
+            <a:r>
+              <a:rPr lang="fr-FR" baseline="0" dirty="0"/>
+              <a:t> de la thèse</a:t>
+            </a:r>
+          </a:p>
+          <a:p>
+            <a:pPr>
+              <a:buFontTx/>
+              <a:buChar char="-"/>
+            </a:pPr>
+            <a:endParaRPr lang="fr-FR" dirty="0"/>
+          </a:p>
+        </p:txBody>
+      </p:sp>
+      <p:sp>
+        <p:nvSpPr>
+          <p:cNvPr id="8196" name="Espace réservé du numéro de diapositive 3"/>
+          <p:cNvSpPr>
+            <a:spLocks noGrp="1"/>
+          </p:cNvSpPr>
+          <p:nvPr>
+            <p:ph type="sldNum" sz="quarter" idx="5"/>
+          </p:nvPr>
+        </p:nvSpPr>
+        <p:spPr>
+          <a:noFill/>
+          <a:ln/>
+          <a:extLst>
+            <a:ext uri="{909E8E84-426E-40DD-AFC4-6F175D3DCCD1}">
+              <a14:hiddenFill xmlns:a14="http://schemas.microsoft.com/office/drawing/2010/main">
+                <a:solidFill>
+                  <a:srgbClr val="FFFFFF"/>
+                </a:solidFill>
+              </a14:hiddenFill>
+            </a:ext>
+            <a:ext uri="{91240B29-F687-4F45-9708-019B960494DF}">
+              <a14:hiddenLine xmlns:a14="http://schemas.microsoft.com/office/drawing/2010/main" w="9525">
+                <a:solidFill>
+                  <a:srgbClr val="000000"/>
+                </a:solidFill>
+                <a:miter lim="800000"/>
+                <a:headEnd/>
+                <a:tailEnd/>
+              </a14:hiddenLine>
+            </a:ext>
+          </a:extLst>
+        </p:spPr>
+        <p:txBody>
+          <a:bodyPr/>
+          <a:lstStyle>
+            <a:lvl1pPr>
+              <a:defRPr>
+                <a:solidFill>
+                  <a:schemeClr val="tx1"/>
+                </a:solidFill>
+                <a:latin typeface="Arial" panose="020B0604020202020204" pitchFamily="34" charset="0"/>
+              </a:defRPr>
+            </a:lvl1pPr>
+            <a:lvl2pPr marL="742950" indent="-285750">
+              <a:defRPr>
+                <a:solidFill>
+                  <a:schemeClr val="tx1"/>
+                </a:solidFill>
+                <a:latin typeface="Arial" panose="020B0604020202020204" pitchFamily="34" charset="0"/>
+              </a:defRPr>
+            </a:lvl2pPr>
+            <a:lvl3pPr marL="1143000" indent="-228600">
+              <a:defRPr>
+                <a:solidFill>
+                  <a:schemeClr val="tx1"/>
+                </a:solidFill>
+                <a:latin typeface="Arial" panose="020B0604020202020204" pitchFamily="34" charset="0"/>
+              </a:defRPr>
+            </a:lvl3pPr>
+            <a:lvl4pPr marL="1600200" indent="-228600">
+              <a:defRPr>
+                <a:solidFill>
+                  <a:schemeClr val="tx1"/>
+                </a:solidFill>
+                <a:latin typeface="Arial" panose="020B0604020202020204" pitchFamily="34" charset="0"/>
+              </a:defRPr>
+            </a:lvl4pPr>
+            <a:lvl5pPr marL="2057400" indent="-228600">
+              <a:defRPr>
+                <a:solidFill>
+                  <a:schemeClr val="tx1"/>
+                </a:solidFill>
+                <a:latin typeface="Arial" panose="020B0604020202020204" pitchFamily="34" charset="0"/>
+              </a:defRPr>
+            </a:lvl5pPr>
+            <a:lvl6pPr marL="2514600" indent="-228600" eaLnBrk="0" fontAlgn="base" hangingPunct="0">
+              <a:spcBef>
+                <a:spcPct val="0"/>
+              </a:spcBef>
+              <a:spcAft>
+                <a:spcPct val="0"/>
+              </a:spcAft>
+              <a:defRPr>
+                <a:solidFill>
+                  <a:schemeClr val="tx1"/>
+                </a:solidFill>
+                <a:latin typeface="Arial" panose="020B0604020202020204" pitchFamily="34" charset="0"/>
+              </a:defRPr>
+            </a:lvl6pPr>
+            <a:lvl7pPr marL="2971800" indent="-228600" eaLnBrk="0" fontAlgn="base" hangingPunct="0">
+              <a:spcBef>
+                <a:spcPct val="0"/>
+              </a:spcBef>
+              <a:spcAft>
+                <a:spcPct val="0"/>
+              </a:spcAft>
+              <a:defRPr>
+                <a:solidFill>
+                  <a:schemeClr val="tx1"/>
+                </a:solidFill>
+                <a:latin typeface="Arial" panose="020B0604020202020204" pitchFamily="34" charset="0"/>
+              </a:defRPr>
+            </a:lvl7pPr>
+            <a:lvl8pPr marL="3429000" indent="-228600" eaLnBrk="0" fontAlgn="base" hangingPunct="0">
+              <a:spcBef>
+                <a:spcPct val="0"/>
+              </a:spcBef>
+              <a:spcAft>
+                <a:spcPct val="0"/>
+              </a:spcAft>
+              <a:defRPr>
+                <a:solidFill>
+                  <a:schemeClr val="tx1"/>
+                </a:solidFill>
+                <a:latin typeface="Arial" panose="020B0604020202020204" pitchFamily="34" charset="0"/>
+              </a:defRPr>
+            </a:lvl8pPr>
+            <a:lvl9pPr marL="3886200" indent="-228600" eaLnBrk="0" fontAlgn="base" hangingPunct="0">
+              <a:spcBef>
+                <a:spcPct val="0"/>
+              </a:spcBef>
+              <a:spcAft>
+                <a:spcPct val="0"/>
+              </a:spcAft>
+              <a:defRPr>
+                <a:solidFill>
+                  <a:schemeClr val="tx1"/>
+                </a:solidFill>
+                <a:latin typeface="Arial" panose="020B0604020202020204" pitchFamily="34" charset="0"/>
+              </a:defRPr>
+            </a:lvl9pPr>
+          </a:lstStyle>
+          <a:p>
+            <a:fld id="{F2D0FA54-90E1-4109-AD66-269BEB473B60}" type="slidenum">
+              <a:rPr lang="en-US" altLang="zh-TW" smtClean="0"/>
+              <a:pPr/>
+              <a:t>2</a:t>
             </a:fld>
             <a:endParaRPr lang="en-US" altLang="zh-TW"/>
           </a:p>
@@ -1171,7 +1657,7 @@
 </p:notes>
 </file>
 
-<file path=ppt/notesSlides/notesSlide2.xml><?xml version="1.0" encoding="utf-8"?>
+<file path=ppt/notesSlides/notesSlide3.xml><?xml version="1.0" encoding="utf-8"?>
 <p:notes xmlns:a="http://schemas.openxmlformats.org/drawingml/2006/main" xmlns:r="http://schemas.openxmlformats.org/officeDocument/2006/relationships" xmlns:p="http://schemas.openxmlformats.org/presentationml/2006/main">
   <p:cSld>
     <p:spTree>
@@ -1660,7 +2146,7 @@
             <a:fld id="{9015F5C9-D8C2-4064-8831-D9B9F5A830C2}" type="slidenum">
               <a:rPr lang="en-US" altLang="zh-TW" smtClean="0"/>
               <a:pPr/>
-              <a:t>2</a:t>
+              <a:t>3</a:t>
             </a:fld>
             <a:endParaRPr lang="en-US" altLang="zh-TW"/>
           </a:p>
@@ -1670,330 +2156,6 @@
     <p:extLst>
       <p:ext uri="{BB962C8B-B14F-4D97-AF65-F5344CB8AC3E}">
         <p14:creationId xmlns:p14="http://schemas.microsoft.com/office/powerpoint/2010/main" val="3365225180"/>
-      </p:ext>
-    </p:extLst>
-  </p:cSld>
-  <p:clrMapOvr>
-    <a:masterClrMapping/>
-  </p:clrMapOvr>
-</p:notes>
-</file>
-
-<file path=ppt/notesSlides/notesSlide3.xml><?xml version="1.0" encoding="utf-8"?>
-<p:notes xmlns:a="http://schemas.openxmlformats.org/drawingml/2006/main" xmlns:r="http://schemas.openxmlformats.org/officeDocument/2006/relationships" xmlns:p="http://schemas.openxmlformats.org/presentationml/2006/main">
-  <p:cSld>
-    <p:spTree>
-      <p:nvGrpSpPr>
-        <p:cNvPr id="1" name=""/>
-        <p:cNvGrpSpPr/>
-        <p:nvPr/>
-      </p:nvGrpSpPr>
-      <p:grpSpPr>
-        <a:xfrm>
-          <a:off x="0" y="0"/>
-          <a:ext cx="0" cy="0"/>
-          <a:chOff x="0" y="0"/>
-          <a:chExt cx="0" cy="0"/>
-        </a:xfrm>
-      </p:grpSpPr>
-      <p:sp>
-        <p:nvSpPr>
-          <p:cNvPr id="8194" name="Espace réservé de l'image des diapositives 1"/>
-          <p:cNvSpPr>
-            <a:spLocks noGrp="1" noRot="1" noChangeAspect="1" noTextEdit="1"/>
-          </p:cNvSpPr>
-          <p:nvPr>
-            <p:ph type="sldImg"/>
-          </p:nvPr>
-        </p:nvSpPr>
-        <p:spPr>
-          <a:ln/>
-        </p:spPr>
-      </p:sp>
-      <p:sp>
-        <p:nvSpPr>
-          <p:cNvPr id="8195" name="Espace réservé des notes 2"/>
-          <p:cNvSpPr>
-            <a:spLocks noGrp="1"/>
-          </p:cNvSpPr>
-          <p:nvPr>
-            <p:ph type="body" idx="1"/>
-          </p:nvPr>
-        </p:nvSpPr>
-        <p:spPr>
-          <a:noFill/>
-          <a:ln/>
-          <a:extLst>
-            <a:ext uri="{909E8E84-426E-40DD-AFC4-6F175D3DCCD1}">
-              <a14:hiddenFill xmlns:a14="http://schemas.microsoft.com/office/drawing/2010/main">
-                <a:solidFill>
-                  <a:srgbClr val="FFFFFF"/>
-                </a:solidFill>
-              </a14:hiddenFill>
-            </a:ext>
-            <a:ext uri="{91240B29-F687-4F45-9708-019B960494DF}">
-              <a14:hiddenLine xmlns:a14="http://schemas.microsoft.com/office/drawing/2010/main" w="9525">
-                <a:solidFill>
-                  <a:srgbClr val="000000"/>
-                </a:solidFill>
-                <a:miter lim="800000"/>
-                <a:headEnd/>
-                <a:tailEnd/>
-              </a14:hiddenLine>
-            </a:ext>
-          </a:extLst>
-        </p:spPr>
-        <p:txBody>
-          <a:bodyPr/>
-          <a:lstStyle/>
-          <a:p>
-            <a:r>
-              <a:rPr lang="fr-FR" dirty="0"/>
-              <a:t>Cette présentation suit</a:t>
-            </a:r>
-            <a:r>
-              <a:rPr lang="fr-FR" baseline="0" dirty="0"/>
-              <a:t> le plan suivant:</a:t>
-            </a:r>
-          </a:p>
-          <a:p>
-            <a:r>
-              <a:rPr lang="fr-FR" baseline="0" dirty="0"/>
-              <a:t>-tout d’abord je vais parler de  cadre général de la thèse</a:t>
-            </a:r>
-          </a:p>
-          <a:p>
-            <a:pPr>
-              <a:buFontTx/>
-              <a:buChar char="-"/>
-            </a:pPr>
-            <a:r>
-              <a:rPr lang="fr-FR" baseline="0" dirty="0"/>
-              <a:t>La partie du codage des images stéréo va s’intéresser en premier lieu  au schéma de la compression  par compensation de disparité</a:t>
-            </a:r>
-          </a:p>
-          <a:p>
-            <a:pPr>
-              <a:buFontTx/>
-              <a:buChar char="-"/>
-            </a:pPr>
-            <a:r>
-              <a:rPr lang="fr-FR" baseline="0" dirty="0"/>
-              <a:t>Puis à  la formulation du problème d’optimisation ainsi </a:t>
-            </a:r>
-          </a:p>
-          <a:p>
-            <a:pPr>
-              <a:buFontTx/>
-              <a:buChar char="-"/>
-            </a:pPr>
-            <a:r>
-              <a:rPr lang="fr-FR" baseline="0" dirty="0"/>
-              <a:t>Concernant les  solutions sous optimales je vais présenter </a:t>
-            </a:r>
-          </a:p>
-          <a:p>
-            <a:pPr>
-              <a:buFontTx/>
-              <a:buNone/>
-            </a:pPr>
-            <a:r>
-              <a:rPr lang="fr-FR" baseline="0" dirty="0"/>
-              <a:t>l’algorithme classique du block </a:t>
-            </a:r>
-            <a:r>
-              <a:rPr lang="fr-FR" baseline="0" dirty="0" err="1"/>
-              <a:t>matching</a:t>
-            </a:r>
-            <a:r>
-              <a:rPr lang="fr-FR" baseline="0" dirty="0"/>
-              <a:t> et deux autres propositions.</a:t>
-            </a:r>
-          </a:p>
-          <a:p>
-            <a:pPr>
-              <a:buFontTx/>
-              <a:buChar char="-"/>
-            </a:pPr>
-            <a:r>
-              <a:rPr lang="fr-FR" baseline="0" dirty="0"/>
-              <a:t>La partie suivante sera pour la conclusion</a:t>
-            </a:r>
-          </a:p>
-          <a:p>
-            <a:pPr>
-              <a:buFontTx/>
-              <a:buChar char="-"/>
-            </a:pPr>
-            <a:r>
-              <a:rPr lang="fr-FR" baseline="0" dirty="0"/>
-              <a:t>Enfin on va introduire le </a:t>
-            </a:r>
-            <a:r>
-              <a:rPr lang="fr-FR" baseline="0" dirty="0" err="1"/>
-              <a:t>deroulement</a:t>
-            </a:r>
-            <a:r>
-              <a:rPr lang="fr-FR" baseline="0" dirty="0"/>
-              <a:t> de la thèse</a:t>
-            </a:r>
-          </a:p>
-          <a:p>
-            <a:pPr>
-              <a:buFontTx/>
-              <a:buChar char="-"/>
-            </a:pPr>
-            <a:endParaRPr lang="fr-FR" dirty="0"/>
-          </a:p>
-        </p:txBody>
-      </p:sp>
-      <p:sp>
-        <p:nvSpPr>
-          <p:cNvPr id="8196" name="Espace réservé du numéro de diapositive 3"/>
-          <p:cNvSpPr>
-            <a:spLocks noGrp="1"/>
-          </p:cNvSpPr>
-          <p:nvPr>
-            <p:ph type="sldNum" sz="quarter" idx="5"/>
-          </p:nvPr>
-        </p:nvSpPr>
-        <p:spPr>
-          <a:noFill/>
-          <a:ln/>
-          <a:extLst>
-            <a:ext uri="{909E8E84-426E-40DD-AFC4-6F175D3DCCD1}">
-              <a14:hiddenFill xmlns:a14="http://schemas.microsoft.com/office/drawing/2010/main">
-                <a:solidFill>
-                  <a:srgbClr val="FFFFFF"/>
-                </a:solidFill>
-              </a14:hiddenFill>
-            </a:ext>
-            <a:ext uri="{91240B29-F687-4F45-9708-019B960494DF}">
-              <a14:hiddenLine xmlns:a14="http://schemas.microsoft.com/office/drawing/2010/main" w="9525">
-                <a:solidFill>
-                  <a:srgbClr val="000000"/>
-                </a:solidFill>
-                <a:miter lim="800000"/>
-                <a:headEnd/>
-                <a:tailEnd/>
-              </a14:hiddenLine>
-            </a:ext>
-          </a:extLst>
-        </p:spPr>
-        <p:txBody>
-          <a:bodyPr/>
-          <a:lstStyle>
-            <a:lvl1pPr>
-              <a:defRPr>
-                <a:solidFill>
-                  <a:schemeClr val="tx1"/>
-                </a:solidFill>
-                <a:latin typeface="Arial" panose="020B0604020202020204" pitchFamily="34" charset="0"/>
-              </a:defRPr>
-            </a:lvl1pPr>
-            <a:lvl2pPr marL="742950" indent="-285750">
-              <a:defRPr>
-                <a:solidFill>
-                  <a:schemeClr val="tx1"/>
-                </a:solidFill>
-                <a:latin typeface="Arial" panose="020B0604020202020204" pitchFamily="34" charset="0"/>
-              </a:defRPr>
-            </a:lvl2pPr>
-            <a:lvl3pPr marL="1143000" indent="-228600">
-              <a:defRPr>
-                <a:solidFill>
-                  <a:schemeClr val="tx1"/>
-                </a:solidFill>
-                <a:latin typeface="Arial" panose="020B0604020202020204" pitchFamily="34" charset="0"/>
-              </a:defRPr>
-            </a:lvl3pPr>
-            <a:lvl4pPr marL="1600200" indent="-228600">
-              <a:defRPr>
-                <a:solidFill>
-                  <a:schemeClr val="tx1"/>
-                </a:solidFill>
-                <a:latin typeface="Arial" panose="020B0604020202020204" pitchFamily="34" charset="0"/>
-              </a:defRPr>
-            </a:lvl4pPr>
-            <a:lvl5pPr marL="2057400" indent="-228600">
-              <a:defRPr>
-                <a:solidFill>
-                  <a:schemeClr val="tx1"/>
-                </a:solidFill>
-                <a:latin typeface="Arial" panose="020B0604020202020204" pitchFamily="34" charset="0"/>
-              </a:defRPr>
-            </a:lvl5pPr>
-            <a:lvl6pPr marL="2514600" indent="-228600" eaLnBrk="0" fontAlgn="base" hangingPunct="0">
-              <a:spcBef>
-                <a:spcPct val="0"/>
-              </a:spcBef>
-              <a:spcAft>
-                <a:spcPct val="0"/>
-              </a:spcAft>
-              <a:defRPr>
-                <a:solidFill>
-                  <a:schemeClr val="tx1"/>
-                </a:solidFill>
-                <a:latin typeface="Arial" panose="020B0604020202020204" pitchFamily="34" charset="0"/>
-              </a:defRPr>
-            </a:lvl6pPr>
-            <a:lvl7pPr marL="2971800" indent="-228600" eaLnBrk="0" fontAlgn="base" hangingPunct="0">
-              <a:spcBef>
-                <a:spcPct val="0"/>
-              </a:spcBef>
-              <a:spcAft>
-                <a:spcPct val="0"/>
-              </a:spcAft>
-              <a:defRPr>
-                <a:solidFill>
-                  <a:schemeClr val="tx1"/>
-                </a:solidFill>
-                <a:latin typeface="Arial" panose="020B0604020202020204" pitchFamily="34" charset="0"/>
-              </a:defRPr>
-            </a:lvl7pPr>
-            <a:lvl8pPr marL="3429000" indent="-228600" eaLnBrk="0" fontAlgn="base" hangingPunct="0">
-              <a:spcBef>
-                <a:spcPct val="0"/>
-              </a:spcBef>
-              <a:spcAft>
-                <a:spcPct val="0"/>
-              </a:spcAft>
-              <a:defRPr>
-                <a:solidFill>
-                  <a:schemeClr val="tx1"/>
-                </a:solidFill>
-                <a:latin typeface="Arial" panose="020B0604020202020204" pitchFamily="34" charset="0"/>
-              </a:defRPr>
-            </a:lvl8pPr>
-            <a:lvl9pPr marL="3886200" indent="-228600" eaLnBrk="0" fontAlgn="base" hangingPunct="0">
-              <a:spcBef>
-                <a:spcPct val="0"/>
-              </a:spcBef>
-              <a:spcAft>
-                <a:spcPct val="0"/>
-              </a:spcAft>
-              <a:defRPr>
-                <a:solidFill>
-                  <a:schemeClr val="tx1"/>
-                </a:solidFill>
-                <a:latin typeface="Arial" panose="020B0604020202020204" pitchFamily="34" charset="0"/>
-              </a:defRPr>
-            </a:lvl9pPr>
-          </a:lstStyle>
-          <a:p>
-            <a:fld id="{F2D0FA54-90E1-4109-AD66-269BEB473B60}" type="slidenum">
-              <a:rPr lang="en-US" altLang="zh-TW" smtClean="0"/>
-              <a:pPr/>
-              <a:t>3</a:t>
-            </a:fld>
-            <a:endParaRPr lang="en-US" altLang="zh-TW"/>
-          </a:p>
-        </p:txBody>
-      </p:sp>
-    </p:spTree>
-    <p:extLst>
-      <p:ext uri="{BB962C8B-B14F-4D97-AF65-F5344CB8AC3E}">
-        <p14:creationId xmlns:p14="http://schemas.microsoft.com/office/powerpoint/2010/main" val="2200093858"/>
       </p:ext>
     </p:extLst>
   </p:cSld>
@@ -2308,7 +2470,7 @@
             <a:fld id="{F2D0FA54-90E1-4109-AD66-269BEB473B60}" type="slidenum">
               <a:rPr lang="en-US" altLang="zh-TW" smtClean="0"/>
               <a:pPr/>
-              <a:t>6</a:t>
+              <a:t>4</a:t>
             </a:fld>
             <a:endParaRPr lang="en-US" altLang="zh-TW"/>
           </a:p>
@@ -2317,7 +2479,7 @@
     </p:spTree>
     <p:extLst>
       <p:ext uri="{BB962C8B-B14F-4D97-AF65-F5344CB8AC3E}">
-        <p14:creationId xmlns:p14="http://schemas.microsoft.com/office/powerpoint/2010/main" val="3343621330"/>
+        <p14:creationId xmlns:p14="http://schemas.microsoft.com/office/powerpoint/2010/main" val="2200093858"/>
       </p:ext>
     </p:extLst>
   </p:cSld>
@@ -2632,7 +2794,7 @@
             <a:fld id="{F2D0FA54-90E1-4109-AD66-269BEB473B60}" type="slidenum">
               <a:rPr lang="en-US" altLang="zh-TW" smtClean="0"/>
               <a:pPr/>
-              <a:t>9</a:t>
+              <a:t>7</a:t>
             </a:fld>
             <a:endParaRPr lang="en-US" altLang="zh-TW"/>
           </a:p>
@@ -2641,7 +2803,7 @@
     </p:spTree>
     <p:extLst>
       <p:ext uri="{BB962C8B-B14F-4D97-AF65-F5344CB8AC3E}">
-        <p14:creationId xmlns:p14="http://schemas.microsoft.com/office/powerpoint/2010/main" val="1441758402"/>
+        <p14:creationId xmlns:p14="http://schemas.microsoft.com/office/powerpoint/2010/main" val="3343621330"/>
       </p:ext>
     </p:extLst>
   </p:cSld>
@@ -2956,7 +3118,7 @@
             <a:fld id="{F2D0FA54-90E1-4109-AD66-269BEB473B60}" type="slidenum">
               <a:rPr lang="en-US" altLang="zh-TW" smtClean="0"/>
               <a:pPr/>
-              <a:t>15</a:t>
+              <a:t>10</a:t>
             </a:fld>
             <a:endParaRPr lang="en-US" altLang="zh-TW"/>
           </a:p>
@@ -2965,7 +3127,7 @@
     </p:spTree>
     <p:extLst>
       <p:ext uri="{BB962C8B-B14F-4D97-AF65-F5344CB8AC3E}">
-        <p14:creationId xmlns:p14="http://schemas.microsoft.com/office/powerpoint/2010/main" val="1685636350"/>
+        <p14:creationId xmlns:p14="http://schemas.microsoft.com/office/powerpoint/2010/main" val="1441758402"/>
       </p:ext>
     </p:extLst>
   </p:cSld>
@@ -3280,7 +3442,7 @@
             <a:fld id="{F2D0FA54-90E1-4109-AD66-269BEB473B60}" type="slidenum">
               <a:rPr lang="en-US" altLang="zh-TW" smtClean="0"/>
               <a:pPr/>
-              <a:t>21</a:t>
+              <a:t>16</a:t>
             </a:fld>
             <a:endParaRPr lang="en-US" altLang="zh-TW"/>
           </a:p>
@@ -3289,7 +3451,7 @@
     </p:spTree>
     <p:extLst>
       <p:ext uri="{BB962C8B-B14F-4D97-AF65-F5344CB8AC3E}">
-        <p14:creationId xmlns:p14="http://schemas.microsoft.com/office/powerpoint/2010/main" val="3365480667"/>
+        <p14:creationId xmlns:p14="http://schemas.microsoft.com/office/powerpoint/2010/main" val="1685636350"/>
       </p:ext>
     </p:extLst>
   </p:cSld>
@@ -3604,7 +3766,7 @@
             <a:fld id="{F2D0FA54-90E1-4109-AD66-269BEB473B60}" type="slidenum">
               <a:rPr lang="en-US" altLang="zh-TW" smtClean="0"/>
               <a:pPr/>
-              <a:t>26</a:t>
+              <a:t>22</a:t>
             </a:fld>
             <a:endParaRPr lang="en-US" altLang="zh-TW"/>
           </a:p>
@@ -3613,7 +3775,7 @@
     </p:spTree>
     <p:extLst>
       <p:ext uri="{BB962C8B-B14F-4D97-AF65-F5344CB8AC3E}">
-        <p14:creationId xmlns:p14="http://schemas.microsoft.com/office/powerpoint/2010/main" val="606788017"/>
+        <p14:creationId xmlns:p14="http://schemas.microsoft.com/office/powerpoint/2010/main" val="3365480667"/>
       </p:ext>
     </p:extLst>
   </p:cSld>
@@ -3691,36 +3853,103 @@
           <a:bodyPr/>
           <a:lstStyle/>
           <a:p>
-            <a:pPr marL="182563" indent="-182563" algn="just" eaLnBrk="1" hangingPunct="1">
-              <a:lnSpc>
-                <a:spcPct val="150000"/>
-              </a:lnSpc>
-            </a:pPr>
-            <a:r>
-              <a:rPr lang="fr-FR" altLang="fr-FR" sz="1200" b="1" dirty="0"/>
-              <a:t>Proposition de trois algorithmes originaux pour améliorer le </a:t>
-            </a:r>
-            <a:r>
-              <a:rPr lang="en-US" altLang="zh-TW" sz="1200" b="1" dirty="0" err="1">
-                <a:ea typeface="新細明體" pitchFamily="18" charset="-120"/>
-              </a:rPr>
-              <a:t>schéma</a:t>
-            </a:r>
-            <a:r>
-              <a:rPr lang="en-US" altLang="zh-TW" sz="1200" b="1" dirty="0">
-                <a:ea typeface="新細明體" pitchFamily="18" charset="-120"/>
-              </a:rPr>
-              <a:t> de Compression par Compensation de </a:t>
-            </a:r>
-            <a:r>
-              <a:rPr lang="en-US" altLang="zh-TW" sz="1200" b="1" dirty="0" err="1">
-                <a:ea typeface="新細明體" pitchFamily="18" charset="-120"/>
-              </a:rPr>
-              <a:t>Disparité</a:t>
-            </a:r>
-            <a:endParaRPr lang="en-US" altLang="zh-TW" sz="1200" b="1" dirty="0">
-              <a:ea typeface="新細明體" pitchFamily="18" charset="-120"/>
-            </a:endParaRPr>
+            <a:r>
+              <a:rPr lang="fr-FR" dirty="0"/>
+              <a:t>Cette présentation suit</a:t>
+            </a:r>
+            <a:r>
+              <a:rPr lang="fr-FR" baseline="0" dirty="0"/>
+              <a:t> le plan suivant:</a:t>
+            </a:r>
+          </a:p>
+          <a:p>
+            <a:r>
+              <a:rPr lang="fr-FR" baseline="0" dirty="0"/>
+              <a:t>-tout d’abord je vais parler de  cadre général de la thèse</a:t>
+            </a:r>
+          </a:p>
+          <a:p>
+            <a:pPr>
+              <a:buFontTx/>
+              <a:buChar char="-"/>
+            </a:pPr>
+            <a:r>
+              <a:rPr lang="fr-FR" baseline="0" dirty="0"/>
+              <a:t>La partie du codage des images stéréo va s’intéresser en premier lieu  au schéma de la compression  par compensation de disparité</a:t>
+            </a:r>
+          </a:p>
+          <a:p>
+            <a:pPr>
+              <a:buFontTx/>
+              <a:buChar char="-"/>
+            </a:pPr>
+            <a:r>
+              <a:rPr lang="fr-FR" baseline="0" dirty="0"/>
+              <a:t>Puis à  la formulation du problème d’optimisation ainsi </a:t>
+            </a:r>
+          </a:p>
+          <a:p>
+            <a:pPr>
+              <a:buFontTx/>
+              <a:buChar char="-"/>
+            </a:pPr>
+            <a:r>
+              <a:rPr lang="fr-FR" baseline="0" dirty="0"/>
+              <a:t>Concernant les  solutions sous optimales je vais présenter </a:t>
+            </a:r>
+          </a:p>
+          <a:p>
+            <a:pPr>
+              <a:buFontTx/>
+              <a:buNone/>
+            </a:pPr>
+            <a:r>
+              <a:rPr lang="fr-FR" baseline="0" dirty="0"/>
+              <a:t>l’algorithme classique du block </a:t>
+            </a:r>
+            <a:r>
+              <a:rPr lang="fr-FR" baseline="0" dirty="0" err="1"/>
+              <a:t>matching</a:t>
+            </a:r>
+            <a:r>
+              <a:rPr lang="fr-FR" baseline="0" dirty="0"/>
+              <a:t> et deux autres propositions.</a:t>
+            </a:r>
+          </a:p>
+          <a:p>
+            <a:pPr>
+              <a:buFontTx/>
+              <a:buChar char="-"/>
+            </a:pPr>
+            <a:r>
+              <a:rPr lang="fr-FR" baseline="0" dirty="0"/>
+              <a:t>La partie suivante sera pour la conclusion</a:t>
+            </a:r>
+          </a:p>
+          <a:p>
+            <a:pPr>
+              <a:buFontTx/>
+              <a:buChar char="-"/>
+            </a:pPr>
+            <a:r>
+              <a:rPr lang="fr-FR" baseline="0" dirty="0"/>
+              <a:t>Enfin on va introduire le </a:t>
+            </a:r>
+            <a:r>
+              <a:rPr lang="fr-FR" baseline="0" dirty="0" err="1"/>
+              <a:t>deroulement</a:t>
+            </a:r>
+            <a:r>
+              <a:rPr lang="fr-FR" baseline="0" dirty="0"/>
+              <a:t> de la thèse</a:t>
+            </a:r>
+          </a:p>
+          <a:p>
+            <a:pPr>
+              <a:buFontTx/>
+              <a:buChar char="-"/>
+            </a:pPr>
+            <a:endParaRPr lang="fr-FR" dirty="0"/>
           </a:p>
         </p:txBody>
       </p:sp>
@@ -3870,7 +4099,7 @@
     </p:spTree>
     <p:extLst>
       <p:ext uri="{BB962C8B-B14F-4D97-AF65-F5344CB8AC3E}">
-        <p14:creationId xmlns:p14="http://schemas.microsoft.com/office/powerpoint/2010/main" val="3003706865"/>
+        <p14:creationId xmlns:p14="http://schemas.microsoft.com/office/powerpoint/2010/main" val="606788017"/>
       </p:ext>
     </p:extLst>
   </p:cSld>
@@ -7528,6 +7757,374 @@
       </p:grpSpPr>
       <p:sp>
         <p:nvSpPr>
+          <p:cNvPr id="5122" name="Rectangle 2"/>
+          <p:cNvSpPr>
+            <a:spLocks noGrp="1" noChangeArrowheads="1"/>
+          </p:cNvSpPr>
+          <p:nvPr>
+            <p:ph type="ctrTitle"/>
+          </p:nvPr>
+        </p:nvSpPr>
+        <p:spPr>
+          <a:xfrm>
+            <a:off x="467544" y="1116290"/>
+            <a:ext cx="8784976" cy="1401443"/>
+          </a:xfrm>
+        </p:spPr>
+        <p:txBody>
+          <a:bodyPr/>
+          <a:lstStyle/>
+          <a:p>
+            <a:pPr algn="ctr" eaLnBrk="1" hangingPunct="1"/>
+            <a:r>
+              <a:rPr lang="fr-FR" sz="4400" b="1" dirty="0"/>
+              <a:t>Projet 3 : Concevez une application au service de la santé publique</a:t>
+            </a:r>
+            <a:br>
+              <a:rPr lang="fr-FR" sz="2400" b="1" dirty="0"/>
+            </a:br>
+            <a:br>
+              <a:rPr lang="en-US" altLang="zh-TW" sz="3200" b="1" dirty="0">
+                <a:ea typeface="新細明體" pitchFamily="18" charset="-120"/>
+              </a:rPr>
+            </a:br>
+            <a:endParaRPr lang="en-US" altLang="zh-TW" sz="3200" b="1" dirty="0">
+              <a:ea typeface="新細明體" pitchFamily="18" charset="-120"/>
+            </a:endParaRPr>
+          </a:p>
+        </p:txBody>
+      </p:sp>
+      <p:sp>
+        <p:nvSpPr>
+          <p:cNvPr id="5123" name="Rectangle 3"/>
+          <p:cNvSpPr>
+            <a:spLocks noGrp="1" noChangeArrowheads="1"/>
+          </p:cNvSpPr>
+          <p:nvPr>
+            <p:ph type="subTitle" idx="1"/>
+          </p:nvPr>
+        </p:nvSpPr>
+        <p:spPr>
+          <a:xfrm>
+            <a:off x="1115616" y="4470630"/>
+            <a:ext cx="7416824" cy="1982706"/>
+          </a:xfrm>
+        </p:spPr>
+        <p:txBody>
+          <a:bodyPr/>
+          <a:lstStyle/>
+          <a:p>
+            <a:pPr eaLnBrk="1" hangingPunct="1">
+              <a:spcBef>
+                <a:spcPct val="0"/>
+              </a:spcBef>
+            </a:pPr>
+            <a:r>
+              <a:rPr lang="en-US" altLang="zh-TW" sz="1600" b="1" dirty="0">
+                <a:latin typeface="Times New Roman" panose="02020603050405020304" pitchFamily="18" charset="0"/>
+                <a:ea typeface="新細明體" pitchFamily="18" charset="-120"/>
+                <a:cs typeface="Times New Roman" panose="02020603050405020304" pitchFamily="18" charset="0"/>
+              </a:rPr>
+              <a:t>                                    </a:t>
+            </a:r>
+            <a:endParaRPr lang="en-US" altLang="zh-TW" sz="1600" b="1" baseline="30000" dirty="0">
+              <a:latin typeface="Times New Roman" panose="02020603050405020304" pitchFamily="18" charset="0"/>
+              <a:ea typeface="新細明體" pitchFamily="18" charset="-120"/>
+              <a:cs typeface="Times New Roman" panose="02020603050405020304" pitchFamily="18" charset="0"/>
+            </a:endParaRPr>
+          </a:p>
+          <a:p>
+            <a:pPr eaLnBrk="1" hangingPunct="1"/>
+            <a:r>
+              <a:rPr lang="fr-FR" altLang="fr-FR" sz="1800" b="1" dirty="0">
+                <a:latin typeface="Times New Roman" panose="02020603050405020304" pitchFamily="18" charset="0"/>
+                <a:ea typeface="新細明體" pitchFamily="18" charset="-120"/>
+                <a:cs typeface="Times New Roman" panose="02020603050405020304" pitchFamily="18" charset="0"/>
+              </a:rPr>
+              <a:t>Mentor : </a:t>
+            </a:r>
+            <a:r>
+              <a:rPr lang="fr-FR" altLang="fr-FR" sz="1800" b="1" dirty="0" err="1">
+                <a:latin typeface="Times New Roman" panose="02020603050405020304" pitchFamily="18" charset="0"/>
+                <a:ea typeface="新細明體" pitchFamily="18" charset="-120"/>
+                <a:cs typeface="Times New Roman" panose="02020603050405020304" pitchFamily="18" charset="0"/>
+              </a:rPr>
+              <a:t>Julide</a:t>
+            </a:r>
+            <a:r>
+              <a:rPr lang="fr-FR" altLang="fr-FR" sz="1800" b="1" dirty="0">
+                <a:latin typeface="Times New Roman" panose="02020603050405020304" pitchFamily="18" charset="0"/>
+                <a:ea typeface="新細明體" pitchFamily="18" charset="-120"/>
+                <a:cs typeface="Times New Roman" panose="02020603050405020304" pitchFamily="18" charset="0"/>
+              </a:rPr>
+              <a:t> YILMAZ</a:t>
+            </a:r>
+          </a:p>
+          <a:p>
+            <a:pPr eaLnBrk="1" hangingPunct="1"/>
+            <a:r>
+              <a:rPr lang="fr-FR" altLang="fr-FR" sz="1600" b="1" dirty="0">
+                <a:latin typeface="Times New Roman" panose="02020603050405020304" pitchFamily="18" charset="0"/>
+                <a:ea typeface="新細明體" pitchFamily="18" charset="-120"/>
+                <a:cs typeface="Times New Roman" panose="02020603050405020304" pitchFamily="18" charset="0"/>
+              </a:rPr>
+              <a:t>                     </a:t>
+            </a:r>
+          </a:p>
+          <a:p>
+            <a:pPr algn="ctr" eaLnBrk="1" hangingPunct="1"/>
+            <a:endParaRPr lang="fr-FR" altLang="fr-FR" sz="1600" b="1" dirty="0">
+              <a:latin typeface="Times New Roman" panose="02020603050405020304" pitchFamily="18" charset="0"/>
+              <a:ea typeface="新細明體" pitchFamily="18" charset="-120"/>
+              <a:cs typeface="Times New Roman" panose="02020603050405020304" pitchFamily="18" charset="0"/>
+            </a:endParaRPr>
+          </a:p>
+          <a:p>
+            <a:pPr algn="ctr" eaLnBrk="1" hangingPunct="1"/>
+            <a:endParaRPr lang="fr-FR" altLang="fr-FR" sz="1600" b="1" dirty="0">
+              <a:latin typeface="Times New Roman" panose="02020603050405020304" pitchFamily="18" charset="0"/>
+              <a:ea typeface="新細明體" pitchFamily="18" charset="-120"/>
+              <a:cs typeface="Times New Roman" panose="02020603050405020304" pitchFamily="18" charset="0"/>
+            </a:endParaRPr>
+          </a:p>
+          <a:p>
+            <a:pPr algn="ctr" eaLnBrk="1" hangingPunct="1"/>
+            <a:r>
+              <a:rPr lang="fr-FR" altLang="fr-FR" sz="1600" b="1" dirty="0">
+                <a:latin typeface="Times New Roman" panose="02020603050405020304" pitchFamily="18" charset="0"/>
+                <a:ea typeface="新細明體" pitchFamily="18" charset="-120"/>
+                <a:cs typeface="Times New Roman" panose="02020603050405020304" pitchFamily="18" charset="0"/>
+              </a:rPr>
+              <a:t>XX Juin 2022</a:t>
+            </a:r>
+          </a:p>
+          <a:p>
+            <a:pPr eaLnBrk="1" hangingPunct="1"/>
+            <a:br>
+              <a:rPr lang="fr-FR" altLang="fr-FR" sz="2000" b="1" dirty="0">
+                <a:latin typeface="Times New Roman" panose="02020603050405020304" pitchFamily="18" charset="0"/>
+                <a:ea typeface="新細明體" pitchFamily="18" charset="-120"/>
+                <a:cs typeface="Times New Roman" panose="02020603050405020304" pitchFamily="18" charset="0"/>
+              </a:rPr>
+            </a:br>
+            <a:endParaRPr lang="en-US" altLang="zh-TW" sz="2000" b="1" dirty="0">
+              <a:latin typeface="Times New Roman" panose="02020603050405020304" pitchFamily="18" charset="0"/>
+              <a:ea typeface="新細明體" pitchFamily="18" charset="-120"/>
+              <a:cs typeface="Times New Roman" panose="02020603050405020304" pitchFamily="18" charset="0"/>
+            </a:endParaRPr>
+          </a:p>
+        </p:txBody>
+      </p:sp>
+      <p:pic>
+        <p:nvPicPr>
+          <p:cNvPr id="5126" name="Image 6"/>
+          <p:cNvPicPr>
+            <a:picLocks noChangeAspect="1" noChangeArrowheads="1"/>
+          </p:cNvPicPr>
+          <p:nvPr/>
+        </p:nvPicPr>
+        <p:blipFill>
+          <a:blip r:embed="rId3">
+            <a:extLst>
+              <a:ext uri="{28A0092B-C50C-407E-A947-70E740481C1C}">
+                <a14:useLocalDpi xmlns:a14="http://schemas.microsoft.com/office/drawing/2010/main" val="0"/>
+              </a:ext>
+            </a:extLst>
+          </a:blip>
+          <a:stretch>
+            <a:fillRect/>
+          </a:stretch>
+        </p:blipFill>
+        <p:spPr bwMode="auto">
+          <a:xfrm>
+            <a:off x="179512" y="487228"/>
+            <a:ext cx="3411611" cy="439507"/>
+          </a:xfrm>
+          <a:prstGeom prst="rect">
+            <a:avLst/>
+          </a:prstGeom>
+          <a:noFill/>
+          <a:ln>
+            <a:noFill/>
+          </a:ln>
+          <a:extLst>
+            <a:ext uri="{909E8E84-426E-40DD-AFC4-6F175D3DCCD1}">
+              <a14:hiddenFill xmlns:a14="http://schemas.microsoft.com/office/drawing/2010/main">
+                <a:solidFill>
+                  <a:srgbClr val="FFFFFF"/>
+                </a:solidFill>
+              </a14:hiddenFill>
+            </a:ext>
+            <a:ext uri="{91240B29-F687-4F45-9708-019B960494DF}">
+              <a14:hiddenLine xmlns:a14="http://schemas.microsoft.com/office/drawing/2010/main" w="9525">
+                <a:solidFill>
+                  <a:srgbClr val="000000"/>
+                </a:solidFill>
+                <a:miter lim="800000"/>
+                <a:headEnd/>
+                <a:tailEnd/>
+              </a14:hiddenLine>
+            </a:ext>
+          </a:extLst>
+        </p:spPr>
+      </p:pic>
+      <p:pic>
+        <p:nvPicPr>
+          <p:cNvPr id="5127" name="Image 8"/>
+          <p:cNvPicPr>
+            <a:picLocks noChangeAspect="1" noChangeArrowheads="1"/>
+          </p:cNvPicPr>
+          <p:nvPr/>
+        </p:nvPicPr>
+        <p:blipFill>
+          <a:blip r:embed="rId4">
+            <a:extLst>
+              <a:ext uri="{28A0092B-C50C-407E-A947-70E740481C1C}">
+                <a14:useLocalDpi xmlns:a14="http://schemas.microsoft.com/office/drawing/2010/main" val="0"/>
+              </a:ext>
+            </a:extLst>
+          </a:blip>
+          <a:stretch>
+            <a:fillRect/>
+          </a:stretch>
+        </p:blipFill>
+        <p:spPr bwMode="auto">
+          <a:xfrm>
+            <a:off x="6300092" y="194836"/>
+            <a:ext cx="2403500" cy="881067"/>
+          </a:xfrm>
+          <a:prstGeom prst="rect">
+            <a:avLst/>
+          </a:prstGeom>
+          <a:noFill/>
+          <a:ln>
+            <a:noFill/>
+          </a:ln>
+          <a:extLst>
+            <a:ext uri="{909E8E84-426E-40DD-AFC4-6F175D3DCCD1}">
+              <a14:hiddenFill xmlns:a14="http://schemas.microsoft.com/office/drawing/2010/main">
+                <a:solidFill>
+                  <a:srgbClr val="FFFFFF"/>
+                </a:solidFill>
+              </a14:hiddenFill>
+            </a:ext>
+            <a:ext uri="{91240B29-F687-4F45-9708-019B960494DF}">
+              <a14:hiddenLine xmlns:a14="http://schemas.microsoft.com/office/drawing/2010/main" w="9525">
+                <a:solidFill>
+                  <a:srgbClr val="000000"/>
+                </a:solidFill>
+                <a:miter lim="800000"/>
+                <a:headEnd/>
+                <a:tailEnd/>
+              </a14:hiddenLine>
+            </a:ext>
+          </a:extLst>
+        </p:spPr>
+      </p:pic>
+      <p:sp>
+        <p:nvSpPr>
+          <p:cNvPr id="8" name="ZoneTexte 7"/>
+          <p:cNvSpPr txBox="1"/>
+          <p:nvPr/>
+        </p:nvSpPr>
+        <p:spPr>
+          <a:xfrm>
+            <a:off x="1222184" y="2775682"/>
+            <a:ext cx="7203689" cy="1292662"/>
+          </a:xfrm>
+          <a:prstGeom prst="rect">
+            <a:avLst/>
+          </a:prstGeom>
+          <a:noFill/>
+        </p:spPr>
+        <p:txBody>
+          <a:bodyPr wrap="square" rtlCol="0">
+            <a:spAutoFit/>
+          </a:bodyPr>
+          <a:lstStyle/>
+          <a:p>
+            <a:pPr algn="ctr"/>
+            <a:r>
+              <a:rPr lang="fr-FR" altLang="fr-FR" sz="2400" b="1" dirty="0">
+                <a:latin typeface="Times New Roman" panose="02020603050405020304" pitchFamily="18" charset="0"/>
+                <a:ea typeface="ＭＳ Ｐゴシック" panose="020B0600070205080204" pitchFamily="34" charset="-128"/>
+              </a:rPr>
+              <a:t>Soutenance pour validation de projet</a:t>
+            </a:r>
+          </a:p>
+          <a:p>
+            <a:pPr algn="ctr">
+              <a:lnSpc>
+                <a:spcPct val="150000"/>
+              </a:lnSpc>
+            </a:pPr>
+            <a:r>
+              <a:rPr lang="fr-FR" altLang="fr-FR" sz="1600" b="1" dirty="0">
+                <a:latin typeface="Times New Roman" panose="02020603050405020304" pitchFamily="18" charset="0"/>
+                <a:ea typeface="ＭＳ Ｐゴシック" panose="020B0600070205080204" pitchFamily="34" charset="-128"/>
+              </a:rPr>
+              <a:t>présentée par </a:t>
+            </a:r>
+          </a:p>
+          <a:p>
+            <a:pPr algn="ctr">
+              <a:lnSpc>
+                <a:spcPct val="150000"/>
+              </a:lnSpc>
+            </a:pPr>
+            <a:r>
+              <a:rPr lang="fr-FR" altLang="fr-FR" sz="2000" b="1" dirty="0" err="1">
+                <a:latin typeface="Times New Roman" panose="02020603050405020304" pitchFamily="18" charset="0"/>
+                <a:ea typeface="ＭＳ Ｐゴシック" panose="020B0600070205080204" pitchFamily="34" charset="-128"/>
+              </a:rPr>
+              <a:t>Imen</a:t>
+            </a:r>
+            <a:r>
+              <a:rPr lang="fr-FR" altLang="fr-FR" sz="2000" b="1" dirty="0">
+                <a:latin typeface="Times New Roman" panose="02020603050405020304" pitchFamily="18" charset="0"/>
+                <a:ea typeface="ＭＳ Ｐゴシック" panose="020B0600070205080204" pitchFamily="34" charset="-128"/>
+              </a:rPr>
+              <a:t> KADRI</a:t>
+            </a:r>
+            <a:endParaRPr lang="fr-FR" sz="2000" dirty="0"/>
+          </a:p>
+        </p:txBody>
+      </p:sp>
+    </p:spTree>
+  </p:cSld>
+  <p:clrMapOvr>
+    <a:masterClrMapping/>
+  </p:clrMapOvr>
+  <mc:AlternateContent xmlns:mc="http://schemas.openxmlformats.org/markup-compatibility/2006" xmlns:p14="http://schemas.microsoft.com/office/powerpoint/2010/main">
+    <mc:Choice Requires="p14">
+      <p:transition spd="slow" p14:dur="2000" advTm="23779"/>
+    </mc:Choice>
+    <mc:Fallback xmlns="">
+      <p:transition spd="slow" advTm="23779"/>
+    </mc:Fallback>
+  </mc:AlternateContent>
+</p:sld>
+</file>
+
+<file path=ppt/slides/slide10.xml><?xml version="1.0" encoding="utf-8"?>
+<p:sld xmlns:a="http://schemas.openxmlformats.org/drawingml/2006/main" xmlns:r="http://schemas.openxmlformats.org/officeDocument/2006/relationships" xmlns:p="http://schemas.openxmlformats.org/presentationml/2006/main">
+  <p:cSld>
+    <p:spTree>
+      <p:nvGrpSpPr>
+        <p:cNvPr id="1" name=""/>
+        <p:cNvGrpSpPr/>
+        <p:nvPr/>
+      </p:nvGrpSpPr>
+      <p:grpSpPr>
+        <a:xfrm>
+          <a:off x="0" y="0"/>
+          <a:ext cx="0" cy="0"/>
+          <a:chOff x="0" y="0"/>
+          <a:chExt cx="0" cy="0"/>
+        </a:xfrm>
+      </p:grpSpPr>
+      <p:sp>
+        <p:nvSpPr>
           <p:cNvPr id="7170" name="Rectangle 2"/>
           <p:cNvSpPr>
             <a:spLocks noGrp="1" noChangeArrowheads="1"/>
@@ -7583,6 +8180,11 @@
             </a:pPr>
             <a:r>
               <a:rPr lang="fr-FR" altLang="zh-TW" sz="2400" b="1" dirty="0">
+                <a:solidFill>
+                  <a:schemeClr val="bg1">
+                    <a:lumMod val="75000"/>
+                  </a:schemeClr>
+                </a:solidFill>
                 <a:ea typeface="新細明體" pitchFamily="18" charset="-120"/>
               </a:rPr>
               <a:t>Introduction</a:t>
@@ -7593,12 +8195,43 @@
               <a:spcBef>
                 <a:spcPts val="1800"/>
               </a:spcBef>
+            </a:pPr>
+            <a:r>
+              <a:rPr lang="fr-FR" altLang="zh-TW" sz="2400" b="1" dirty="0">
+                <a:solidFill>
+                  <a:schemeClr val="bg1">
+                    <a:lumMod val="85000"/>
+                  </a:schemeClr>
+                </a:solidFill>
+                <a:ea typeface="新細明體" pitchFamily="18" charset="-120"/>
+              </a:rPr>
+              <a:t>Traitement des données</a:t>
+            </a:r>
+          </a:p>
+          <a:p>
+            <a:pPr indent="-77788" algn="just" eaLnBrk="1" hangingPunct="1">
+              <a:spcBef>
+                <a:spcPts val="1800"/>
+              </a:spcBef>
+              <a:buFont typeface="Wingdings" panose="05000000000000000000" pitchFamily="2" charset="2"/>
+              <a:buChar char="Ø"/>
             </a:pPr>
             <a:r>
               <a:rPr lang="fr-FR" altLang="zh-TW" sz="2400" b="1" dirty="0">
                 <a:ea typeface="新細明體" pitchFamily="18" charset="-120"/>
               </a:rPr>
-              <a:t>Traitement des données</a:t>
+              <a:t> </a:t>
+            </a:r>
+            <a:r>
+              <a:rPr lang="fr-FR" altLang="zh-TW" sz="2400" b="1" dirty="0">
+                <a:solidFill>
+                  <a:schemeClr val="bg1">
+                    <a:lumMod val="75000"/>
+                  </a:schemeClr>
+                </a:solidFill>
+                <a:ea typeface="新細明體" pitchFamily="18" charset="-120"/>
+              </a:rPr>
+              <a:t>Présentation du jeu de données</a:t>
             </a:r>
           </a:p>
           <a:p>
@@ -7611,9 +8244,31 @@
             </a:pPr>
             <a:r>
               <a:rPr lang="fr-FR" altLang="zh-TW" sz="2400" b="1" dirty="0">
+                <a:solidFill>
+                  <a:schemeClr val="bg1">
+                    <a:lumMod val="75000"/>
+                  </a:schemeClr>
+                </a:solidFill>
                 <a:ea typeface="新細明體" pitchFamily="18" charset="-120"/>
               </a:rPr>
-              <a:t> Présentation du jeu de données</a:t>
+              <a:t> Idée</a:t>
+            </a:r>
+            <a:r>
+              <a:rPr lang="fr-FR" altLang="zh-TW" sz="2400" b="1" dirty="0">
+                <a:ea typeface="新細明體" pitchFamily="18" charset="-120"/>
+              </a:rPr>
+              <a:t> </a:t>
+            </a:r>
+            <a:r>
+              <a:rPr lang="fr-FR" altLang="zh-TW" sz="2400" b="1" dirty="0">
+                <a:solidFill>
+                  <a:schemeClr val="bg1">
+                    <a:lumMod val="75000"/>
+                  </a:schemeClr>
+                </a:solidFill>
+                <a:ea typeface="新細明體" pitchFamily="18" charset="-120"/>
+              </a:rPr>
+              <a:t>d’application</a:t>
             </a:r>
           </a:p>
           <a:p>
@@ -7626,24 +8281,20 @@
             </a:pPr>
             <a:r>
               <a:rPr lang="fr-FR" altLang="zh-TW" sz="2400" b="1" dirty="0">
+                <a:solidFill>
+                  <a:schemeClr val="bg1">
+                    <a:lumMod val="75000"/>
+                  </a:schemeClr>
+                </a:solidFill>
                 <a:ea typeface="新細明體" pitchFamily="18" charset="-120"/>
               </a:rPr>
-              <a:t> Idée d’application</a:t>
-            </a:r>
-          </a:p>
-          <a:p>
-            <a:pPr indent="-77788" algn="just" eaLnBrk="1" hangingPunct="1">
-              <a:spcBef>
-                <a:spcPts val="1800"/>
-              </a:spcBef>
-              <a:buFont typeface="Wingdings" panose="05000000000000000000" pitchFamily="2" charset="2"/>
-              <a:buChar char="Ø"/>
-            </a:pPr>
+              <a:t> </a:t>
+            </a:r>
             <a:r>
               <a:rPr lang="fr-FR" altLang="zh-TW" sz="2400" b="1" dirty="0">
                 <a:ea typeface="新細明體" pitchFamily="18" charset="-120"/>
               </a:rPr>
-              <a:t> Nettoyage de données</a:t>
+              <a:t>Nettoyage de données</a:t>
             </a:r>
           </a:p>
           <a:p>
@@ -7654,6 +8305,11 @@
             </a:pPr>
             <a:r>
               <a:rPr lang="fr-FR" altLang="zh-TW" sz="2400" b="1" dirty="0">
+                <a:solidFill>
+                  <a:schemeClr val="bg1">
+                    <a:lumMod val="75000"/>
+                  </a:schemeClr>
+                </a:solidFill>
                 <a:ea typeface="新細明體" pitchFamily="18" charset="-120"/>
               </a:rPr>
               <a:t>Analyse exploratoire</a:t>
@@ -7672,6 +8328,11 @@
             </a:pPr>
             <a:r>
               <a:rPr lang="fr-FR" altLang="zh-TW" sz="2400" b="1" dirty="0">
+                <a:solidFill>
+                  <a:schemeClr val="bg1">
+                    <a:lumMod val="75000"/>
+                  </a:schemeClr>
+                </a:solidFill>
                 <a:ea typeface="新細明體" pitchFamily="18" charset="-120"/>
               </a:rPr>
               <a:t> Analyse univariée/bivariée</a:t>
@@ -7690,6 +8351,11 @@
             </a:pPr>
             <a:r>
               <a:rPr lang="fr-FR" altLang="zh-TW" sz="2400" b="1" dirty="0">
+                <a:solidFill>
+                  <a:schemeClr val="bg1">
+                    <a:lumMod val="75000"/>
+                  </a:schemeClr>
+                </a:solidFill>
                 <a:ea typeface="新細明體" pitchFamily="18" charset="-120"/>
               </a:rPr>
               <a:t> Analyse multivariée</a:t>
@@ -7703,6 +8369,11 @@
             </a:pPr>
             <a:r>
               <a:rPr lang="fr-FR" altLang="zh-TW" sz="2400" b="1" dirty="0">
+                <a:solidFill>
+                  <a:schemeClr val="bg1">
+                    <a:lumMod val="75000"/>
+                  </a:schemeClr>
+                </a:solidFill>
                 <a:ea typeface="新細明體" pitchFamily="18" charset="-120"/>
               </a:rPr>
               <a:t>Conclusion</a:t>
@@ -7882,7 +8553,7 @@
     </p:spTree>
     <p:extLst>
       <p:ext uri="{BB962C8B-B14F-4D97-AF65-F5344CB8AC3E}">
-        <p14:creationId xmlns:p14="http://schemas.microsoft.com/office/powerpoint/2010/main" val="59912949"/>
+        <p14:creationId xmlns:p14="http://schemas.microsoft.com/office/powerpoint/2010/main" val="68388682"/>
       </p:ext>
     </p:extLst>
   </p:cSld>
@@ -7891,16 +8562,16 @@
   </p:clrMapOvr>
   <mc:AlternateContent xmlns:mc="http://schemas.openxmlformats.org/markup-compatibility/2006">
     <mc:Choice xmlns:p14="http://schemas.microsoft.com/office/powerpoint/2010/main" Requires="p14">
-      <p:transition p14:dur="10" advTm="36266"/>
+      <p:transition spd="slow" p14:dur="2000" advTm="3887"/>
     </mc:Choice>
     <mc:Fallback>
-      <p:transition advTm="36266"/>
+      <p:transition spd="slow" advTm="3887"/>
     </mc:Fallback>
   </mc:AlternateContent>
 </p:sld>
 </file>
 
-<file path=ppt/slides/slide10.xml><?xml version="1.0" encoding="utf-8"?>
+<file path=ppt/slides/slide11.xml><?xml version="1.0" encoding="utf-8"?>
 <p:sld xmlns:a="http://schemas.openxmlformats.org/drawingml/2006/main" xmlns:r="http://schemas.openxmlformats.org/officeDocument/2006/relationships" xmlns:p="http://schemas.openxmlformats.org/presentationml/2006/main">
   <p:cSld>
     <p:spTree>
@@ -8272,7 +8943,7 @@
               <a:pPr>
                 <a:defRPr/>
               </a:pPr>
-              <a:t>10</a:t>
+              <a:t>11</a:t>
             </a:fld>
             <a:endParaRPr lang="en-US" altLang="en-US"/>
           </a:p>
@@ -8630,7 +9301,7 @@
 </p:sld>
 </file>
 
-<file path=ppt/slides/slide11.xml><?xml version="1.0" encoding="utf-8"?>
+<file path=ppt/slides/slide12.xml><?xml version="1.0" encoding="utf-8"?>
 <p:sld xmlns:a="http://schemas.openxmlformats.org/drawingml/2006/main" xmlns:r="http://schemas.openxmlformats.org/officeDocument/2006/relationships" xmlns:p="http://schemas.openxmlformats.org/presentationml/2006/main">
   <p:cSld>
     <p:spTree>
@@ -8854,7 +9525,7 @@
               <a:pPr>
                 <a:defRPr/>
               </a:pPr>
-              <a:t>11</a:t>
+              <a:t>12</a:t>
             </a:fld>
             <a:endParaRPr lang="en-US" altLang="en-US"/>
           </a:p>
@@ -9639,7 +10310,7 @@
 </p:sld>
 </file>
 
-<file path=ppt/slides/slide12.xml><?xml version="1.0" encoding="utf-8"?>
+<file path=ppt/slides/slide13.xml><?xml version="1.0" encoding="utf-8"?>
 <p:sld xmlns:a="http://schemas.openxmlformats.org/drawingml/2006/main" xmlns:r="http://schemas.openxmlformats.org/officeDocument/2006/relationships" xmlns:p="http://schemas.openxmlformats.org/presentationml/2006/main">
   <p:cSld>
     <p:spTree>
@@ -9856,7 +10527,7 @@
               <a:pPr>
                 <a:defRPr/>
               </a:pPr>
-              <a:t>12</a:t>
+              <a:t>13</a:t>
             </a:fld>
             <a:endParaRPr lang="en-US" altLang="en-US"/>
           </a:p>
@@ -10634,7 +11305,7 @@
 </p:sld>
 </file>
 
-<file path=ppt/slides/slide13.xml><?xml version="1.0" encoding="utf-8"?>
+<file path=ppt/slides/slide14.xml><?xml version="1.0" encoding="utf-8"?>
 <p:sld xmlns:a="http://schemas.openxmlformats.org/drawingml/2006/main" xmlns:r="http://schemas.openxmlformats.org/officeDocument/2006/relationships" xmlns:p="http://schemas.openxmlformats.org/presentationml/2006/main">
   <p:cSld>
     <p:spTree>
@@ -10824,7 +11495,7 @@
               <a:pPr>
                 <a:defRPr/>
               </a:pPr>
-              <a:t>13</a:t>
+              <a:t>14</a:t>
             </a:fld>
             <a:endParaRPr lang="en-US" altLang="en-US"/>
           </a:p>
@@ -11414,7 +12085,7 @@
 </p:sld>
 </file>
 
-<file path=ppt/slides/slide14.xml><?xml version="1.0" encoding="utf-8"?>
+<file path=ppt/slides/slide15.xml><?xml version="1.0" encoding="utf-8"?>
 <p:sld xmlns:a="http://schemas.openxmlformats.org/drawingml/2006/main" xmlns:r="http://schemas.openxmlformats.org/officeDocument/2006/relationships" xmlns:p="http://schemas.openxmlformats.org/presentationml/2006/main">
   <p:cSld>
     <p:spTree>
@@ -11609,7 +12280,7 @@
               <a:pPr>
                 <a:defRPr/>
               </a:pPr>
-              <a:t>14</a:t>
+              <a:t>15</a:t>
             </a:fld>
             <a:endParaRPr lang="en-US" altLang="en-US"/>
           </a:p>
@@ -11984,7 +12655,7 @@
 </p:sld>
 </file>
 
-<file path=ppt/slides/slide15.xml><?xml version="1.0" encoding="utf-8"?>
+<file path=ppt/slides/slide16.xml><?xml version="1.0" encoding="utf-8"?>
 <p:sld xmlns:a="http://schemas.openxmlformats.org/drawingml/2006/main" xmlns:r="http://schemas.openxmlformats.org/officeDocument/2006/relationships" xmlns:p="http://schemas.openxmlformats.org/presentationml/2006/main">
   <p:cSld>
     <p:spTree>
@@ -12433,7 +13104,7 @@
 </p:sld>
 </file>
 
-<file path=ppt/slides/slide16.xml><?xml version="1.0" encoding="utf-8"?>
+<file path=ppt/slides/slide17.xml><?xml version="1.0" encoding="utf-8"?>
 <p:sld xmlns:a="http://schemas.openxmlformats.org/drawingml/2006/main" xmlns:r="http://schemas.openxmlformats.org/officeDocument/2006/relationships" xmlns:p="http://schemas.openxmlformats.org/presentationml/2006/main">
   <p:cSld>
     <p:spTree>
@@ -12736,7 +13407,7 @@
               <a:pPr>
                 <a:defRPr/>
               </a:pPr>
-              <a:t>16</a:t>
+              <a:t>17</a:t>
             </a:fld>
             <a:endParaRPr lang="en-US" altLang="en-US"/>
           </a:p>
@@ -13141,7 +13812,7 @@
 </p:sld>
 </file>
 
-<file path=ppt/slides/slide17.xml><?xml version="1.0" encoding="utf-8"?>
+<file path=ppt/slides/slide18.xml><?xml version="1.0" encoding="utf-8"?>
 <p:sld xmlns:a="http://schemas.openxmlformats.org/drawingml/2006/main" xmlns:r="http://schemas.openxmlformats.org/officeDocument/2006/relationships" xmlns:p="http://schemas.openxmlformats.org/presentationml/2006/main">
   <p:cSld>
     <p:spTree>
@@ -13348,7 +14019,7 @@
               <a:pPr>
                 <a:defRPr/>
               </a:pPr>
-              <a:t>17</a:t>
+              <a:t>18</a:t>
             </a:fld>
             <a:endParaRPr lang="en-US" altLang="en-US"/>
           </a:p>
@@ -13713,7 +14384,7 @@
 </p:sld>
 </file>
 
-<file path=ppt/slides/slide18.xml><?xml version="1.0" encoding="utf-8"?>
+<file path=ppt/slides/slide19.xml><?xml version="1.0" encoding="utf-8"?>
 <p:sld xmlns:a="http://schemas.openxmlformats.org/drawingml/2006/main" xmlns:r="http://schemas.openxmlformats.org/officeDocument/2006/relationships" xmlns:p="http://schemas.openxmlformats.org/presentationml/2006/main">
   <p:cSld>
     <p:spTree>
@@ -13979,7 +14650,7 @@
               <a:pPr>
                 <a:defRPr/>
               </a:pPr>
-              <a:t>18</a:t>
+              <a:t>19</a:t>
             </a:fld>
             <a:endParaRPr lang="en-US" altLang="en-US"/>
           </a:p>
@@ -14294,7 +14965,398 @@
 </p:sld>
 </file>
 
-<file path=ppt/slides/slide19.xml><?xml version="1.0" encoding="utf-8"?>
+<file path=ppt/slides/slide2.xml><?xml version="1.0" encoding="utf-8"?>
+<p:sld xmlns:a="http://schemas.openxmlformats.org/drawingml/2006/main" xmlns:r="http://schemas.openxmlformats.org/officeDocument/2006/relationships" xmlns:p="http://schemas.openxmlformats.org/presentationml/2006/main">
+  <p:cSld>
+    <p:spTree>
+      <p:nvGrpSpPr>
+        <p:cNvPr id="1" name=""/>
+        <p:cNvGrpSpPr/>
+        <p:nvPr/>
+      </p:nvGrpSpPr>
+      <p:grpSpPr>
+        <a:xfrm>
+          <a:off x="0" y="0"/>
+          <a:ext cx="0" cy="0"/>
+          <a:chOff x="0" y="0"/>
+          <a:chExt cx="0" cy="0"/>
+        </a:xfrm>
+      </p:grpSpPr>
+      <p:sp>
+        <p:nvSpPr>
+          <p:cNvPr id="7170" name="Rectangle 2"/>
+          <p:cNvSpPr>
+            <a:spLocks noGrp="1" noChangeArrowheads="1"/>
+          </p:cNvSpPr>
+          <p:nvPr>
+            <p:ph type="title"/>
+          </p:nvPr>
+        </p:nvSpPr>
+        <p:spPr>
+          <a:xfrm>
+            <a:off x="395536" y="130816"/>
+            <a:ext cx="7678071" cy="725602"/>
+          </a:xfrm>
+        </p:spPr>
+        <p:txBody>
+          <a:bodyPr/>
+          <a:lstStyle/>
+          <a:p>
+            <a:pPr eaLnBrk="1" hangingPunct="1"/>
+            <a:r>
+              <a:rPr lang="en-US" altLang="zh-TW" b="1" dirty="0">
+                <a:ea typeface="新細明體" pitchFamily="18" charset="-120"/>
+              </a:rPr>
+              <a:t>Plan</a:t>
+            </a:r>
+          </a:p>
+        </p:txBody>
+      </p:sp>
+      <p:sp>
+        <p:nvSpPr>
+          <p:cNvPr id="7171" name="Rectangle 3"/>
+          <p:cNvSpPr>
+            <a:spLocks noGrp="1" noChangeArrowheads="1"/>
+          </p:cNvSpPr>
+          <p:nvPr>
+            <p:ph type="body" idx="1"/>
+          </p:nvPr>
+        </p:nvSpPr>
+        <p:spPr>
+          <a:xfrm>
+            <a:off x="489820" y="856418"/>
+            <a:ext cx="8196980" cy="6461014"/>
+          </a:xfrm>
+        </p:spPr>
+        <p:txBody>
+          <a:bodyPr/>
+          <a:lstStyle/>
+          <a:p>
+            <a:pPr marL="269875" indent="-269875" algn="just" eaLnBrk="1" hangingPunct="1">
+              <a:spcBef>
+                <a:spcPts val="1800"/>
+              </a:spcBef>
+            </a:pPr>
+            <a:r>
+              <a:rPr lang="fr-FR" altLang="zh-TW" sz="2400" b="1" dirty="0">
+                <a:ea typeface="新細明體" pitchFamily="18" charset="-120"/>
+              </a:rPr>
+              <a:t>Introduction</a:t>
+            </a:r>
+          </a:p>
+          <a:p>
+            <a:pPr marL="269875" indent="-269875" algn="just" eaLnBrk="1" hangingPunct="1">
+              <a:spcBef>
+                <a:spcPts val="1800"/>
+              </a:spcBef>
+            </a:pPr>
+            <a:r>
+              <a:rPr lang="fr-FR" altLang="zh-TW" sz="2400" b="1" dirty="0">
+                <a:ea typeface="新細明體" pitchFamily="18" charset="-120"/>
+              </a:rPr>
+              <a:t>Traitement des données</a:t>
+            </a:r>
+          </a:p>
+          <a:p>
+            <a:pPr indent="-77788" algn="just" eaLnBrk="1" hangingPunct="1">
+              <a:spcBef>
+                <a:spcPts val="1800"/>
+              </a:spcBef>
+              <a:buFont typeface="Wingdings" panose="05000000000000000000" pitchFamily="2" charset="2"/>
+              <a:buChar char="Ø"/>
+            </a:pPr>
+            <a:r>
+              <a:rPr lang="fr-FR" altLang="zh-TW" sz="2400" b="1" dirty="0">
+                <a:ea typeface="新細明體" pitchFamily="18" charset="-120"/>
+              </a:rPr>
+              <a:t> Présentation du jeu de données</a:t>
+            </a:r>
+          </a:p>
+          <a:p>
+            <a:pPr indent="-77788" algn="just" eaLnBrk="1" hangingPunct="1">
+              <a:spcBef>
+                <a:spcPts val="1800"/>
+              </a:spcBef>
+              <a:buFont typeface="Wingdings" panose="05000000000000000000" pitchFamily="2" charset="2"/>
+              <a:buChar char="Ø"/>
+            </a:pPr>
+            <a:r>
+              <a:rPr lang="fr-FR" altLang="zh-TW" sz="2400" b="1" dirty="0">
+                <a:ea typeface="新細明體" pitchFamily="18" charset="-120"/>
+              </a:rPr>
+              <a:t> Idée d’application</a:t>
+            </a:r>
+          </a:p>
+          <a:p>
+            <a:pPr indent="-77788" algn="just" eaLnBrk="1" hangingPunct="1">
+              <a:spcBef>
+                <a:spcPts val="1800"/>
+              </a:spcBef>
+              <a:buFont typeface="Wingdings" panose="05000000000000000000" pitchFamily="2" charset="2"/>
+              <a:buChar char="Ø"/>
+            </a:pPr>
+            <a:r>
+              <a:rPr lang="fr-FR" altLang="zh-TW" sz="2400" b="1" dirty="0">
+                <a:ea typeface="新細明體" pitchFamily="18" charset="-120"/>
+              </a:rPr>
+              <a:t> Nettoyage de données</a:t>
+            </a:r>
+          </a:p>
+          <a:p>
+            <a:pPr marL="269875" indent="-269875" algn="just" eaLnBrk="1" hangingPunct="1">
+              <a:spcBef>
+                <a:spcPts val="1800"/>
+              </a:spcBef>
+            </a:pPr>
+            <a:r>
+              <a:rPr lang="fr-FR" altLang="zh-TW" sz="2400" b="1" dirty="0">
+                <a:ea typeface="新細明體" pitchFamily="18" charset="-120"/>
+              </a:rPr>
+              <a:t>Analyse exploratoire</a:t>
+            </a:r>
+          </a:p>
+          <a:p>
+            <a:pPr indent="-69850" algn="just" eaLnBrk="1" hangingPunct="1">
+              <a:spcBef>
+                <a:spcPts val="1800"/>
+              </a:spcBef>
+              <a:buFont typeface="Wingdings" panose="05000000000000000000" pitchFamily="2" charset="2"/>
+              <a:buChar char="Ø"/>
+              <a:tabLst>
+                <a:tab pos="531813" algn="l"/>
+              </a:tabLst>
+            </a:pPr>
+            <a:r>
+              <a:rPr lang="fr-FR" altLang="zh-TW" sz="2400" b="1" dirty="0">
+                <a:ea typeface="新細明體" pitchFamily="18" charset="-120"/>
+              </a:rPr>
+              <a:t> Analyse univariée/bivariée</a:t>
+            </a:r>
+          </a:p>
+          <a:p>
+            <a:pPr indent="-69850" algn="just" eaLnBrk="1" hangingPunct="1">
+              <a:spcBef>
+                <a:spcPts val="1800"/>
+              </a:spcBef>
+              <a:buFont typeface="Wingdings" panose="05000000000000000000" pitchFamily="2" charset="2"/>
+              <a:buChar char="Ø"/>
+              <a:tabLst>
+                <a:tab pos="531813" algn="l"/>
+              </a:tabLst>
+            </a:pPr>
+            <a:r>
+              <a:rPr lang="fr-FR" altLang="zh-TW" sz="2400" b="1" dirty="0">
+                <a:ea typeface="新細明體" pitchFamily="18" charset="-120"/>
+              </a:rPr>
+              <a:t> Analyse multivariée</a:t>
+            </a:r>
+          </a:p>
+          <a:p>
+            <a:pPr marL="269875" indent="-269875" algn="just" eaLnBrk="1" hangingPunct="1">
+              <a:spcBef>
+                <a:spcPts val="1800"/>
+              </a:spcBef>
+            </a:pPr>
+            <a:r>
+              <a:rPr lang="fr-FR" altLang="zh-TW" sz="2400" b="1" dirty="0">
+                <a:ea typeface="新細明體" pitchFamily="18" charset="-120"/>
+              </a:rPr>
+              <a:t>Conclusion</a:t>
+            </a:r>
+          </a:p>
+          <a:p>
+            <a:pPr marL="269875" indent="-269875" algn="just" eaLnBrk="1" hangingPunct="1">
+              <a:spcBef>
+                <a:spcPts val="1800"/>
+              </a:spcBef>
+            </a:pPr>
+            <a:endParaRPr lang="fr-FR" altLang="zh-TW" sz="2400" b="1" dirty="0">
+              <a:ea typeface="新細明體" pitchFamily="18" charset="-120"/>
+            </a:endParaRPr>
+          </a:p>
+          <a:p>
+            <a:pPr marL="0" indent="0" algn="just" eaLnBrk="1" hangingPunct="1">
+              <a:spcBef>
+                <a:spcPts val="1800"/>
+              </a:spcBef>
+              <a:buNone/>
+            </a:pPr>
+            <a:endParaRPr lang="fr-FR" altLang="zh-TW" sz="2400" b="1" dirty="0">
+              <a:solidFill>
+                <a:schemeClr val="bg1">
+                  <a:lumMod val="85000"/>
+                </a:schemeClr>
+              </a:solidFill>
+              <a:ea typeface="新細明體" pitchFamily="18" charset="-120"/>
+            </a:endParaRPr>
+          </a:p>
+        </p:txBody>
+      </p:sp>
+      <p:sp>
+        <p:nvSpPr>
+          <p:cNvPr id="7173" name="Espace réservé du numéro de diapositive 3"/>
+          <p:cNvSpPr>
+            <a:spLocks noGrp="1"/>
+          </p:cNvSpPr>
+          <p:nvPr>
+            <p:ph type="sldNum" sz="quarter" idx="12"/>
+          </p:nvPr>
+        </p:nvSpPr>
+        <p:spPr>
+          <a:noFill/>
+          <a:ln/>
+          <a:extLst>
+            <a:ext uri="{909E8E84-426E-40DD-AFC4-6F175D3DCCD1}">
+              <a14:hiddenFill xmlns:a14="http://schemas.microsoft.com/office/drawing/2010/main">
+                <a:solidFill>
+                  <a:srgbClr val="FFFFFF"/>
+                </a:solidFill>
+              </a14:hiddenFill>
+            </a:ext>
+            <a:ext uri="{91240B29-F687-4F45-9708-019B960494DF}">
+              <a14:hiddenLine xmlns:a14="http://schemas.microsoft.com/office/drawing/2010/main" w="9525">
+                <a:solidFill>
+                  <a:srgbClr val="000000"/>
+                </a:solidFill>
+                <a:miter lim="800000"/>
+                <a:headEnd/>
+                <a:tailEnd/>
+              </a14:hiddenLine>
+            </a:ext>
+          </a:extLst>
+        </p:spPr>
+        <p:txBody>
+          <a:bodyPr/>
+          <a:lstStyle>
+            <a:lvl1pPr>
+              <a:defRPr>
+                <a:solidFill>
+                  <a:schemeClr val="tx1"/>
+                </a:solidFill>
+                <a:latin typeface="Arial" panose="020B0604020202020204" pitchFamily="34" charset="0"/>
+              </a:defRPr>
+            </a:lvl1pPr>
+            <a:lvl2pPr marL="742950" indent="-285750">
+              <a:defRPr>
+                <a:solidFill>
+                  <a:schemeClr val="tx1"/>
+                </a:solidFill>
+                <a:latin typeface="Arial" panose="020B0604020202020204" pitchFamily="34" charset="0"/>
+              </a:defRPr>
+            </a:lvl2pPr>
+            <a:lvl3pPr marL="1143000" indent="-228600">
+              <a:defRPr>
+                <a:solidFill>
+                  <a:schemeClr val="tx1"/>
+                </a:solidFill>
+                <a:latin typeface="Arial" panose="020B0604020202020204" pitchFamily="34" charset="0"/>
+              </a:defRPr>
+            </a:lvl3pPr>
+            <a:lvl4pPr marL="1600200" indent="-228600">
+              <a:defRPr>
+                <a:solidFill>
+                  <a:schemeClr val="tx1"/>
+                </a:solidFill>
+                <a:latin typeface="Arial" panose="020B0604020202020204" pitchFamily="34" charset="0"/>
+              </a:defRPr>
+            </a:lvl4pPr>
+            <a:lvl5pPr marL="2057400" indent="-228600">
+              <a:defRPr>
+                <a:solidFill>
+                  <a:schemeClr val="tx1"/>
+                </a:solidFill>
+                <a:latin typeface="Arial" panose="020B0604020202020204" pitchFamily="34" charset="0"/>
+              </a:defRPr>
+            </a:lvl5pPr>
+            <a:lvl6pPr marL="2514600" indent="-228600" eaLnBrk="0" fontAlgn="base" hangingPunct="0">
+              <a:spcBef>
+                <a:spcPct val="0"/>
+              </a:spcBef>
+              <a:spcAft>
+                <a:spcPct val="0"/>
+              </a:spcAft>
+              <a:defRPr>
+                <a:solidFill>
+                  <a:schemeClr val="tx1"/>
+                </a:solidFill>
+                <a:latin typeface="Arial" panose="020B0604020202020204" pitchFamily="34" charset="0"/>
+              </a:defRPr>
+            </a:lvl6pPr>
+            <a:lvl7pPr marL="2971800" indent="-228600" eaLnBrk="0" fontAlgn="base" hangingPunct="0">
+              <a:spcBef>
+                <a:spcPct val="0"/>
+              </a:spcBef>
+              <a:spcAft>
+                <a:spcPct val="0"/>
+              </a:spcAft>
+              <a:defRPr>
+                <a:solidFill>
+                  <a:schemeClr val="tx1"/>
+                </a:solidFill>
+                <a:latin typeface="Arial" panose="020B0604020202020204" pitchFamily="34" charset="0"/>
+              </a:defRPr>
+            </a:lvl7pPr>
+            <a:lvl8pPr marL="3429000" indent="-228600" eaLnBrk="0" fontAlgn="base" hangingPunct="0">
+              <a:spcBef>
+                <a:spcPct val="0"/>
+              </a:spcBef>
+              <a:spcAft>
+                <a:spcPct val="0"/>
+              </a:spcAft>
+              <a:defRPr>
+                <a:solidFill>
+                  <a:schemeClr val="tx1"/>
+                </a:solidFill>
+                <a:latin typeface="Arial" panose="020B0604020202020204" pitchFamily="34" charset="0"/>
+              </a:defRPr>
+            </a:lvl8pPr>
+            <a:lvl9pPr marL="3886200" indent="-228600" eaLnBrk="0" fontAlgn="base" hangingPunct="0">
+              <a:spcBef>
+                <a:spcPct val="0"/>
+              </a:spcBef>
+              <a:spcAft>
+                <a:spcPct val="0"/>
+              </a:spcAft>
+              <a:defRPr>
+                <a:solidFill>
+                  <a:schemeClr val="tx1"/>
+                </a:solidFill>
+                <a:latin typeface="Arial" panose="020B0604020202020204" pitchFamily="34" charset="0"/>
+              </a:defRPr>
+            </a:lvl9pPr>
+          </a:lstStyle>
+          <a:p>
+            <a:r>
+              <a:rPr lang="en-US" altLang="en-US" dirty="0">
+                <a:latin typeface="Garamond" panose="02020404030301010803" pitchFamily="18" charset="0"/>
+              </a:rPr>
+              <a:t>2</a:t>
+            </a:r>
+          </a:p>
+        </p:txBody>
+      </p:sp>
+    </p:spTree>
+    <p:extLst>
+      <p:ext uri="{BB962C8B-B14F-4D97-AF65-F5344CB8AC3E}">
+        <p14:creationId xmlns:p14="http://schemas.microsoft.com/office/powerpoint/2010/main" val="59912949"/>
+      </p:ext>
+    </p:extLst>
+  </p:cSld>
+  <p:clrMapOvr>
+    <a:masterClrMapping/>
+  </p:clrMapOvr>
+  <mc:AlternateContent xmlns:mc="http://schemas.openxmlformats.org/markup-compatibility/2006">
+    <mc:Choice xmlns:p14="http://schemas.microsoft.com/office/powerpoint/2010/main" Requires="p14">
+      <p:transition p14:dur="10" advTm="36266"/>
+    </mc:Choice>
+    <mc:Fallback>
+      <p:transition advTm="36266"/>
+    </mc:Fallback>
+  </mc:AlternateContent>
+</p:sld>
+</file>
+
+<file path=ppt/slides/slide20.xml><?xml version="1.0" encoding="utf-8"?>
 <p:sld xmlns:a="http://schemas.openxmlformats.org/drawingml/2006/main" xmlns:r="http://schemas.openxmlformats.org/officeDocument/2006/relationships" xmlns:p="http://schemas.openxmlformats.org/presentationml/2006/main">
   <p:cSld>
     <p:spTree>
@@ -14561,7 +15623,7 @@
               <a:pPr>
                 <a:defRPr/>
               </a:pPr>
-              <a:t>19</a:t>
+              <a:t>20</a:t>
             </a:fld>
             <a:endParaRPr lang="en-US" altLang="en-US"/>
           </a:p>
@@ -14874,524 +15936,7 @@
 </p:sld>
 </file>
 
-<file path=ppt/slides/slide2.xml><?xml version="1.0" encoding="utf-8"?>
-<p:sld xmlns:a="http://schemas.openxmlformats.org/drawingml/2006/main" xmlns:r="http://schemas.openxmlformats.org/officeDocument/2006/relationships" xmlns:p="http://schemas.openxmlformats.org/presentationml/2006/main">
-  <p:cSld>
-    <p:spTree>
-      <p:nvGrpSpPr>
-        <p:cNvPr id="1" name=""/>
-        <p:cNvGrpSpPr/>
-        <p:nvPr/>
-      </p:nvGrpSpPr>
-      <p:grpSpPr>
-        <a:xfrm>
-          <a:off x="0" y="0"/>
-          <a:ext cx="0" cy="0"/>
-          <a:chOff x="0" y="0"/>
-          <a:chExt cx="0" cy="0"/>
-        </a:xfrm>
-      </p:grpSpPr>
-      <p:sp>
-        <p:nvSpPr>
-          <p:cNvPr id="9218" name="Rectangle 2"/>
-          <p:cNvSpPr>
-            <a:spLocks noGrp="1" noChangeArrowheads="1"/>
-          </p:cNvSpPr>
-          <p:nvPr>
-            <p:ph type="title"/>
-          </p:nvPr>
-        </p:nvSpPr>
-        <p:spPr>
-          <a:xfrm>
-            <a:off x="395536" y="249177"/>
-            <a:ext cx="8146042" cy="501927"/>
-          </a:xfrm>
-        </p:spPr>
-        <p:txBody>
-          <a:bodyPr/>
-          <a:lstStyle/>
-          <a:p>
-            <a:pPr eaLnBrk="1" hangingPunct="1"/>
-            <a:r>
-              <a:rPr lang="en-US" altLang="zh-TW" sz="3600" b="1" dirty="0">
-                <a:latin typeface="+mn-lt"/>
-                <a:ea typeface="新細明體" pitchFamily="18" charset="-120"/>
-                <a:cs typeface="Calibri" panose="020F0502020204030204" pitchFamily="34" charset="0"/>
-              </a:rPr>
-              <a:t>Introduction</a:t>
-            </a:r>
-          </a:p>
-        </p:txBody>
-      </p:sp>
-      <p:sp>
-        <p:nvSpPr>
-          <p:cNvPr id="10243" name="Rectangle 3"/>
-          <p:cNvSpPr>
-            <a:spLocks noGrp="1" noChangeArrowheads="1"/>
-          </p:cNvSpPr>
-          <p:nvPr>
-            <p:ph type="body" idx="1"/>
-          </p:nvPr>
-        </p:nvSpPr>
-        <p:spPr>
-          <a:xfrm>
-            <a:off x="526101" y="1268760"/>
-            <a:ext cx="7884911" cy="4392488"/>
-          </a:xfrm>
-        </p:spPr>
-        <p:txBody>
-          <a:bodyPr/>
-          <a:lstStyle/>
-          <a:p>
-            <a:pPr algn="just" eaLnBrk="1" hangingPunct="1">
-              <a:spcBef>
-                <a:spcPts val="1200"/>
-              </a:spcBef>
-              <a:defRPr/>
-            </a:pPr>
-            <a:r>
-              <a:rPr lang="fr-FR" altLang="fr-FR" sz="2400" b="1" dirty="0">
-                <a:ea typeface="新細明體" pitchFamily="18" charset="-120"/>
-                <a:cs typeface="Calibri" panose="020F0502020204030204" pitchFamily="34" charset="0"/>
-              </a:rPr>
-              <a:t>Agence : santé publique France.</a:t>
-            </a:r>
-          </a:p>
-          <a:p>
-            <a:pPr marL="0" indent="0" algn="just" eaLnBrk="1" hangingPunct="1">
-              <a:spcBef>
-                <a:spcPts val="1200"/>
-              </a:spcBef>
-              <a:buNone/>
-              <a:defRPr/>
-            </a:pPr>
-            <a:endParaRPr lang="fr-FR" altLang="fr-FR" sz="2000" b="1" dirty="0">
-              <a:ea typeface="新細明體" pitchFamily="18" charset="-120"/>
-              <a:cs typeface="Calibri" panose="020F0502020204030204" pitchFamily="34" charset="0"/>
-            </a:endParaRPr>
-          </a:p>
-          <a:p>
-            <a:pPr marL="0" indent="0" algn="just" eaLnBrk="1" hangingPunct="1">
-              <a:spcBef>
-                <a:spcPts val="1200"/>
-              </a:spcBef>
-              <a:buNone/>
-              <a:defRPr/>
-            </a:pPr>
-            <a:endParaRPr lang="fr-FR" altLang="fr-FR" sz="2000" b="1" dirty="0">
-              <a:ea typeface="新細明體" pitchFamily="18" charset="-120"/>
-              <a:cs typeface="Calibri" panose="020F0502020204030204" pitchFamily="34" charset="0"/>
-            </a:endParaRPr>
-          </a:p>
-          <a:p>
-            <a:pPr marL="0" indent="0" algn="just" eaLnBrk="1" hangingPunct="1">
-              <a:spcBef>
-                <a:spcPts val="1200"/>
-              </a:spcBef>
-              <a:buNone/>
-              <a:defRPr/>
-            </a:pPr>
-            <a:endParaRPr lang="fr-FR" altLang="fr-FR" sz="2000" b="1" dirty="0">
-              <a:ea typeface="新細明體" pitchFamily="18" charset="-120"/>
-              <a:cs typeface="Calibri" panose="020F0502020204030204" pitchFamily="34" charset="0"/>
-            </a:endParaRPr>
-          </a:p>
-          <a:p>
-            <a:pPr algn="just" eaLnBrk="1" hangingPunct="1">
-              <a:spcBef>
-                <a:spcPts val="1200"/>
-              </a:spcBef>
-              <a:defRPr/>
-            </a:pPr>
-            <a:r>
-              <a:rPr lang="fr-FR" altLang="fr-FR" sz="2400" b="1" dirty="0">
-                <a:ea typeface="新細明體" pitchFamily="18" charset="-120"/>
-                <a:cs typeface="Calibri" panose="020F0502020204030204" pitchFamily="34" charset="0"/>
-              </a:rPr>
-              <a:t>Projet: trouver des idées innovantes d’application en lien avec l’alimentation.</a:t>
-            </a:r>
-          </a:p>
-          <a:p>
-            <a:pPr algn="just" eaLnBrk="1" hangingPunct="1">
-              <a:spcBef>
-                <a:spcPts val="1200"/>
-              </a:spcBef>
-              <a:defRPr/>
-            </a:pPr>
-            <a:r>
-              <a:rPr lang="fr-FR" altLang="fr-FR" sz="2400" b="1" dirty="0">
-                <a:ea typeface="新細明體" pitchFamily="18" charset="-120"/>
-                <a:cs typeface="Calibri" panose="020F0502020204030204" pitchFamily="34" charset="0"/>
-              </a:rPr>
-              <a:t>Mission : </a:t>
-            </a:r>
-          </a:p>
-          <a:p>
-            <a:pPr indent="12700" algn="just" eaLnBrk="1" hangingPunct="1">
-              <a:spcBef>
-                <a:spcPts val="1200"/>
-              </a:spcBef>
-              <a:buFont typeface="Wingdings" panose="05000000000000000000" pitchFamily="2" charset="2"/>
-              <a:buChar char="Ø"/>
-              <a:defRPr/>
-            </a:pPr>
-            <a:r>
-              <a:rPr lang="fr-FR" altLang="fr-FR" sz="2400" b="1" dirty="0">
-                <a:ea typeface="新細明體" pitchFamily="18" charset="-120"/>
-                <a:cs typeface="Calibri" panose="020F0502020204030204" pitchFamily="34" charset="0"/>
-              </a:rPr>
-              <a:t> Traitement des données.</a:t>
-            </a:r>
-          </a:p>
-          <a:p>
-            <a:pPr indent="12700" algn="just" eaLnBrk="1" hangingPunct="1">
-              <a:spcBef>
-                <a:spcPts val="1200"/>
-              </a:spcBef>
-              <a:buFont typeface="Wingdings" panose="05000000000000000000" pitchFamily="2" charset="2"/>
-              <a:buChar char="Ø"/>
-              <a:defRPr/>
-            </a:pPr>
-            <a:r>
-              <a:rPr lang="fr-FR" altLang="fr-FR" sz="2400" b="1" dirty="0">
-                <a:ea typeface="新細明體" pitchFamily="18" charset="-120"/>
-                <a:cs typeface="Calibri" panose="020F0502020204030204" pitchFamily="34" charset="0"/>
-              </a:rPr>
-              <a:t> Analyse exploratoire.</a:t>
-            </a:r>
-          </a:p>
-          <a:p>
-            <a:pPr marL="265112" indent="0">
-              <a:spcAft>
-                <a:spcPts val="200"/>
-              </a:spcAft>
-              <a:buNone/>
-            </a:pPr>
-            <a:endParaRPr lang="fr-FR" sz="2000" dirty="0"/>
-          </a:p>
-          <a:p>
-            <a:pPr marL="0" indent="0" algn="just" eaLnBrk="1" hangingPunct="1">
-              <a:spcBef>
-                <a:spcPts val="1200"/>
-              </a:spcBef>
-              <a:buNone/>
-              <a:defRPr/>
-            </a:pPr>
-            <a:endParaRPr lang="fr-FR" altLang="fr-FR" sz="2000" b="1" dirty="0">
-              <a:ea typeface="新細明體" pitchFamily="18" charset="-120"/>
-              <a:cs typeface="Calibri" panose="020F0502020204030204" pitchFamily="34" charset="0"/>
-            </a:endParaRPr>
-          </a:p>
-          <a:p>
-            <a:pPr algn="just" eaLnBrk="1" hangingPunct="1">
-              <a:spcBef>
-                <a:spcPts val="1200"/>
-              </a:spcBef>
-              <a:defRPr/>
-            </a:pPr>
-            <a:endParaRPr lang="fr-FR" altLang="fr-FR" sz="2000" b="1" dirty="0">
-              <a:ea typeface="新細明體" pitchFamily="18" charset="-120"/>
-              <a:cs typeface="Calibri" panose="020F0502020204030204" pitchFamily="34" charset="0"/>
-            </a:endParaRPr>
-          </a:p>
-          <a:p>
-            <a:pPr algn="just" eaLnBrk="1" hangingPunct="1">
-              <a:defRPr/>
-            </a:pPr>
-            <a:endParaRPr lang="fr-FR" altLang="fr-FR" b="1" dirty="0">
-              <a:ea typeface="新細明體" pitchFamily="18" charset="-120"/>
-            </a:endParaRPr>
-          </a:p>
-          <a:p>
-            <a:pPr algn="just" eaLnBrk="1" hangingPunct="1">
-              <a:defRPr/>
-            </a:pPr>
-            <a:endParaRPr lang="fr-FR" altLang="fr-FR" b="1" dirty="0">
-              <a:ea typeface="新細明體" pitchFamily="18" charset="-120"/>
-            </a:endParaRPr>
-          </a:p>
-          <a:p>
-            <a:pPr marL="0" indent="0" algn="just" eaLnBrk="1" hangingPunct="1">
-              <a:lnSpc>
-                <a:spcPct val="150000"/>
-              </a:lnSpc>
-              <a:buNone/>
-              <a:defRPr/>
-            </a:pPr>
-            <a:endParaRPr lang="fr-FR" altLang="fr-FR" sz="2400" b="1" dirty="0">
-              <a:ea typeface="新細明體" pitchFamily="18" charset="-120"/>
-            </a:endParaRPr>
-          </a:p>
-          <a:p>
-            <a:pPr algn="just" eaLnBrk="1" hangingPunct="1">
-              <a:defRPr/>
-            </a:pPr>
-            <a:endParaRPr lang="fr-FR" altLang="fr-FR" sz="2400" b="1" dirty="0"/>
-          </a:p>
-          <a:p>
-            <a:pPr algn="just" eaLnBrk="1" hangingPunct="1">
-              <a:defRPr/>
-            </a:pPr>
-            <a:endParaRPr lang="fr-FR" altLang="fr-FR" sz="2400" b="1" dirty="0"/>
-          </a:p>
-          <a:p>
-            <a:pPr algn="just" eaLnBrk="1" hangingPunct="1">
-              <a:lnSpc>
-                <a:spcPct val="150000"/>
-              </a:lnSpc>
-              <a:defRPr/>
-            </a:pPr>
-            <a:endParaRPr lang="fr-FR" altLang="fr-FR" sz="2400" b="1" dirty="0">
-              <a:ea typeface="新細明體" pitchFamily="18" charset="-120"/>
-            </a:endParaRPr>
-          </a:p>
-          <a:p>
-            <a:pPr marL="0" indent="0" eaLnBrk="1" hangingPunct="1">
-              <a:lnSpc>
-                <a:spcPct val="80000"/>
-              </a:lnSpc>
-              <a:buFont typeface="Wingdings" panose="05000000000000000000" pitchFamily="2" charset="2"/>
-              <a:buNone/>
-              <a:defRPr/>
-            </a:pPr>
-            <a:endParaRPr lang="fr-FR" altLang="zh-TW" sz="3200" dirty="0">
-              <a:ea typeface="新細明體" pitchFamily="18" charset="-120"/>
-            </a:endParaRPr>
-          </a:p>
-          <a:p>
-            <a:pPr marL="0" indent="0" eaLnBrk="1" hangingPunct="1">
-              <a:lnSpc>
-                <a:spcPct val="80000"/>
-              </a:lnSpc>
-              <a:buFont typeface="Wingdings" panose="05000000000000000000" pitchFamily="2" charset="2"/>
-              <a:buNone/>
-              <a:defRPr/>
-            </a:pPr>
-            <a:endParaRPr lang="fr-FR" altLang="zh-TW" sz="3200" dirty="0">
-              <a:ea typeface="新細明體" pitchFamily="18" charset="-120"/>
-            </a:endParaRPr>
-          </a:p>
-          <a:p>
-            <a:pPr marL="0" indent="0" eaLnBrk="1" hangingPunct="1">
-              <a:lnSpc>
-                <a:spcPct val="80000"/>
-              </a:lnSpc>
-              <a:buFont typeface="Wingdings" panose="05000000000000000000" pitchFamily="2" charset="2"/>
-              <a:buNone/>
-              <a:defRPr/>
-            </a:pPr>
-            <a:endParaRPr lang="fr-FR" altLang="zh-TW" sz="3200" dirty="0">
-              <a:ea typeface="新細明體" pitchFamily="18" charset="-120"/>
-            </a:endParaRPr>
-          </a:p>
-          <a:p>
-            <a:pPr marL="0" indent="0" eaLnBrk="1" hangingPunct="1">
-              <a:lnSpc>
-                <a:spcPct val="80000"/>
-              </a:lnSpc>
-              <a:buFont typeface="Wingdings" panose="05000000000000000000" pitchFamily="2" charset="2"/>
-              <a:buNone/>
-              <a:defRPr/>
-            </a:pPr>
-            <a:endParaRPr lang="fr-FR" altLang="zh-TW" sz="3200" dirty="0">
-              <a:ea typeface="新細明體" pitchFamily="18" charset="-120"/>
-            </a:endParaRPr>
-          </a:p>
-        </p:txBody>
-      </p:sp>
-      <p:sp>
-        <p:nvSpPr>
-          <p:cNvPr id="9226" name="Espace réservé du numéro de diapositive 9"/>
-          <p:cNvSpPr>
-            <a:spLocks noGrp="1"/>
-          </p:cNvSpPr>
-          <p:nvPr>
-            <p:ph type="sldNum" sz="quarter" idx="12"/>
-          </p:nvPr>
-        </p:nvSpPr>
-        <p:spPr>
-          <a:noFill/>
-          <a:ln/>
-          <a:extLst>
-            <a:ext uri="{909E8E84-426E-40DD-AFC4-6F175D3DCCD1}">
-              <a14:hiddenFill xmlns:a14="http://schemas.microsoft.com/office/drawing/2010/main">
-                <a:solidFill>
-                  <a:srgbClr val="FFFFFF"/>
-                </a:solidFill>
-              </a14:hiddenFill>
-            </a:ext>
-            <a:ext uri="{91240B29-F687-4F45-9708-019B960494DF}">
-              <a14:hiddenLine xmlns:a14="http://schemas.microsoft.com/office/drawing/2010/main" w="9525">
-                <a:solidFill>
-                  <a:srgbClr val="000000"/>
-                </a:solidFill>
-                <a:miter lim="800000"/>
-                <a:headEnd/>
-                <a:tailEnd/>
-              </a14:hiddenLine>
-            </a:ext>
-          </a:extLst>
-        </p:spPr>
-        <p:txBody>
-          <a:bodyPr/>
-          <a:lstStyle>
-            <a:lvl1pPr>
-              <a:defRPr>
-                <a:solidFill>
-                  <a:schemeClr val="tx1"/>
-                </a:solidFill>
-                <a:latin typeface="Arial" panose="020B0604020202020204" pitchFamily="34" charset="0"/>
-              </a:defRPr>
-            </a:lvl1pPr>
-            <a:lvl2pPr marL="742950" indent="-285750">
-              <a:defRPr>
-                <a:solidFill>
-                  <a:schemeClr val="tx1"/>
-                </a:solidFill>
-                <a:latin typeface="Arial" panose="020B0604020202020204" pitchFamily="34" charset="0"/>
-              </a:defRPr>
-            </a:lvl2pPr>
-            <a:lvl3pPr marL="1143000" indent="-228600">
-              <a:defRPr>
-                <a:solidFill>
-                  <a:schemeClr val="tx1"/>
-                </a:solidFill>
-                <a:latin typeface="Arial" panose="020B0604020202020204" pitchFamily="34" charset="0"/>
-              </a:defRPr>
-            </a:lvl3pPr>
-            <a:lvl4pPr marL="1600200" indent="-228600">
-              <a:defRPr>
-                <a:solidFill>
-                  <a:schemeClr val="tx1"/>
-                </a:solidFill>
-                <a:latin typeface="Arial" panose="020B0604020202020204" pitchFamily="34" charset="0"/>
-              </a:defRPr>
-            </a:lvl4pPr>
-            <a:lvl5pPr marL="2057400" indent="-228600">
-              <a:defRPr>
-                <a:solidFill>
-                  <a:schemeClr val="tx1"/>
-                </a:solidFill>
-                <a:latin typeface="Arial" panose="020B0604020202020204" pitchFamily="34" charset="0"/>
-              </a:defRPr>
-            </a:lvl5pPr>
-            <a:lvl6pPr marL="2514600" indent="-228600" eaLnBrk="0" fontAlgn="base" hangingPunct="0">
-              <a:spcBef>
-                <a:spcPct val="0"/>
-              </a:spcBef>
-              <a:spcAft>
-                <a:spcPct val="0"/>
-              </a:spcAft>
-              <a:defRPr>
-                <a:solidFill>
-                  <a:schemeClr val="tx1"/>
-                </a:solidFill>
-                <a:latin typeface="Arial" panose="020B0604020202020204" pitchFamily="34" charset="0"/>
-              </a:defRPr>
-            </a:lvl6pPr>
-            <a:lvl7pPr marL="2971800" indent="-228600" eaLnBrk="0" fontAlgn="base" hangingPunct="0">
-              <a:spcBef>
-                <a:spcPct val="0"/>
-              </a:spcBef>
-              <a:spcAft>
-                <a:spcPct val="0"/>
-              </a:spcAft>
-              <a:defRPr>
-                <a:solidFill>
-                  <a:schemeClr val="tx1"/>
-                </a:solidFill>
-                <a:latin typeface="Arial" panose="020B0604020202020204" pitchFamily="34" charset="0"/>
-              </a:defRPr>
-            </a:lvl7pPr>
-            <a:lvl8pPr marL="3429000" indent="-228600" eaLnBrk="0" fontAlgn="base" hangingPunct="0">
-              <a:spcBef>
-                <a:spcPct val="0"/>
-              </a:spcBef>
-              <a:spcAft>
-                <a:spcPct val="0"/>
-              </a:spcAft>
-              <a:defRPr>
-                <a:solidFill>
-                  <a:schemeClr val="tx1"/>
-                </a:solidFill>
-                <a:latin typeface="Arial" panose="020B0604020202020204" pitchFamily="34" charset="0"/>
-              </a:defRPr>
-            </a:lvl8pPr>
-            <a:lvl9pPr marL="3886200" indent="-228600" eaLnBrk="0" fontAlgn="base" hangingPunct="0">
-              <a:spcBef>
-                <a:spcPct val="0"/>
-              </a:spcBef>
-              <a:spcAft>
-                <a:spcPct val="0"/>
-              </a:spcAft>
-              <a:defRPr>
-                <a:solidFill>
-                  <a:schemeClr val="tx1"/>
-                </a:solidFill>
-                <a:latin typeface="Arial" panose="020B0604020202020204" pitchFamily="34" charset="0"/>
-              </a:defRPr>
-            </a:lvl9pPr>
-          </a:lstStyle>
-          <a:p>
-            <a:fld id="{429751C9-AD19-4B25-A7C7-90AB00D93E71}" type="slidenum">
-              <a:rPr lang="en-US" altLang="en-US" smtClean="0">
-                <a:latin typeface="Garamond" panose="02020404030301010803" pitchFamily="18" charset="0"/>
-              </a:rPr>
-              <a:pPr/>
-              <a:t>2</a:t>
-            </a:fld>
-            <a:endParaRPr lang="en-US" altLang="en-US" dirty="0">
-              <a:latin typeface="Garamond" panose="02020404030301010803" pitchFamily="18" charset="0"/>
-            </a:endParaRPr>
-          </a:p>
-        </p:txBody>
-      </p:sp>
-      <p:pic>
-        <p:nvPicPr>
-          <p:cNvPr id="3" name="Image 2"/>
-          <p:cNvPicPr>
-            <a:picLocks noChangeAspect="1"/>
-          </p:cNvPicPr>
-          <p:nvPr/>
-        </p:nvPicPr>
-        <p:blipFill>
-          <a:blip r:embed="rId3">
-            <a:extLst>
-              <a:ext uri="{28A0092B-C50C-407E-A947-70E740481C1C}">
-                <a14:useLocalDpi xmlns:a14="http://schemas.microsoft.com/office/drawing/2010/main" val="0"/>
-              </a:ext>
-            </a:extLst>
-          </a:blip>
-          <a:srcRect/>
-          <a:stretch/>
-        </p:blipFill>
-        <p:spPr>
-          <a:xfrm>
-            <a:off x="2843808" y="1844824"/>
-            <a:ext cx="2013683" cy="1223504"/>
-          </a:xfrm>
-          <a:prstGeom prst="rect">
-            <a:avLst/>
-          </a:prstGeom>
-        </p:spPr>
-      </p:pic>
-    </p:spTree>
-  </p:cSld>
-  <p:clrMapOvr>
-    <a:masterClrMapping/>
-  </p:clrMapOvr>
-  <mc:AlternateContent xmlns:mc="http://schemas.openxmlformats.org/markup-compatibility/2006">
-    <mc:Choice xmlns:p14="http://schemas.microsoft.com/office/powerpoint/2010/main" Requires="p14">
-      <p:transition spd="slow" p14:dur="2000" advTm="38033"/>
-    </mc:Choice>
-    <mc:Fallback>
-      <p:transition spd="slow" advTm="38033"/>
-    </mc:Fallback>
-  </mc:AlternateContent>
-</p:sld>
-</file>
-
-<file path=ppt/slides/slide20.xml><?xml version="1.0" encoding="utf-8"?>
+<file path=ppt/slides/slide21.xml><?xml version="1.0" encoding="utf-8"?>
 <p:sld xmlns:a="http://schemas.openxmlformats.org/drawingml/2006/main" xmlns:r="http://schemas.openxmlformats.org/officeDocument/2006/relationships" xmlns:p="http://schemas.openxmlformats.org/presentationml/2006/main">
   <p:cSld>
     <p:spTree>
@@ -15621,7 +16166,7 @@
               <a:pPr>
                 <a:defRPr/>
               </a:pPr>
-              <a:t>20</a:t>
+              <a:t>21</a:t>
             </a:fld>
             <a:endParaRPr lang="en-US" altLang="en-US"/>
           </a:p>
@@ -16602,7 +17147,7 @@
 </p:sld>
 </file>
 
-<file path=ppt/slides/slide21.xml><?xml version="1.0" encoding="utf-8"?>
+<file path=ppt/slides/slide22.xml><?xml version="1.0" encoding="utf-8"?>
 <p:sld xmlns:a="http://schemas.openxmlformats.org/drawingml/2006/main" xmlns:r="http://schemas.openxmlformats.org/officeDocument/2006/relationships" xmlns:p="http://schemas.openxmlformats.org/presentationml/2006/main">
   <p:cSld>
     <p:spTree>
@@ -17078,7 +17623,7 @@
 </p:sld>
 </file>
 
-<file path=ppt/slides/slide22.xml><?xml version="1.0" encoding="utf-8"?>
+<file path=ppt/slides/slide23.xml><?xml version="1.0" encoding="utf-8"?>
 <p:sld xmlns:a="http://schemas.openxmlformats.org/drawingml/2006/main" xmlns:r="http://schemas.openxmlformats.org/officeDocument/2006/relationships" xmlns:p="http://schemas.openxmlformats.org/presentationml/2006/main">
   <p:cSld>
     <p:spTree>
@@ -17504,7 +18049,7 @@
               <a:pPr>
                 <a:defRPr/>
               </a:pPr>
-              <a:t>22</a:t>
+              <a:t>23</a:t>
             </a:fld>
             <a:endParaRPr lang="en-US" altLang="en-US"/>
           </a:p>
@@ -17834,7 +18379,7 @@
 </p:sld>
 </file>
 
-<file path=ppt/slides/slide23.xml><?xml version="1.0" encoding="utf-8"?>
+<file path=ppt/slides/slide24.xml><?xml version="1.0" encoding="utf-8"?>
 <p:sld xmlns:a="http://schemas.openxmlformats.org/drawingml/2006/main" xmlns:r="http://schemas.openxmlformats.org/officeDocument/2006/relationships" xmlns:p="http://schemas.openxmlformats.org/presentationml/2006/main">
   <p:cSld>
     <p:spTree>
@@ -18216,7 +18761,7 @@
               <a:pPr>
                 <a:defRPr/>
               </a:pPr>
-              <a:t>23</a:t>
+              <a:t>24</a:t>
             </a:fld>
             <a:endParaRPr lang="en-US" altLang="en-US"/>
           </a:p>
@@ -18486,7 +19031,7 @@
 </p:sld>
 </file>
 
-<file path=ppt/slides/slide24.xml><?xml version="1.0" encoding="utf-8"?>
+<file path=ppt/slides/slide25.xml><?xml version="1.0" encoding="utf-8"?>
 <p:sld xmlns:a="http://schemas.openxmlformats.org/drawingml/2006/main" xmlns:r="http://schemas.openxmlformats.org/officeDocument/2006/relationships" xmlns:p="http://schemas.openxmlformats.org/presentationml/2006/main">
   <p:cSld>
     <p:spTree>
@@ -18766,7 +19311,7 @@
               <a:pPr>
                 <a:defRPr/>
               </a:pPr>
-              <a:t>24</a:t>
+              <a:t>25</a:t>
             </a:fld>
             <a:endParaRPr lang="en-US" altLang="en-US"/>
           </a:p>
@@ -19344,7 +19889,7 @@
 </p:sld>
 </file>
 
-<file path=ppt/slides/slide25.xml><?xml version="1.0" encoding="utf-8"?>
+<file path=ppt/slides/slide26.xml><?xml version="1.0" encoding="utf-8"?>
 <p:sld xmlns:a="http://schemas.openxmlformats.org/drawingml/2006/main" xmlns:r="http://schemas.openxmlformats.org/officeDocument/2006/relationships" xmlns:p="http://schemas.openxmlformats.org/presentationml/2006/main">
   <p:cSld>
     <p:spTree>
@@ -19646,7 +20191,7 @@
               <a:pPr>
                 <a:defRPr/>
               </a:pPr>
-              <a:t>25</a:t>
+              <a:t>26</a:t>
             </a:fld>
             <a:endParaRPr lang="en-US" altLang="en-US"/>
           </a:p>
@@ -20485,7 +21030,7 @@
 </p:sld>
 </file>
 
-<file path=ppt/slides/slide26.xml><?xml version="1.0" encoding="utf-8"?>
+<file path=ppt/slides/slide27.xml><?xml version="1.0" encoding="utf-8"?>
 <p:sld xmlns:a="http://schemas.openxmlformats.org/drawingml/2006/main" xmlns:r="http://schemas.openxmlformats.org/officeDocument/2006/relationships" xmlns:p="http://schemas.openxmlformats.org/presentationml/2006/main">
   <p:cSld>
     <p:spTree>
@@ -20942,7 +21487,7 @@
 </p:sld>
 </file>
 
-<file path=ppt/slides/slide27.xml><?xml version="1.0" encoding="utf-8"?>
+<file path=ppt/slides/slide28.xml><?xml version="1.0" encoding="utf-8"?>
 <p:sld xmlns:a="http://schemas.openxmlformats.org/drawingml/2006/main" xmlns:r="http://schemas.openxmlformats.org/officeDocument/2006/relationships" xmlns:p="http://schemas.openxmlformats.org/presentationml/2006/main">
   <p:cSld>
     <p:spTree>
@@ -21410,7 +21955,7 @@
               <a:rPr lang="en-US" altLang="en-US">
                 <a:latin typeface="Garamond" panose="02020404030301010803" pitchFamily="18" charset="0"/>
               </a:rPr>
-              <a:t>27</a:t>
+              <a:t>28</a:t>
             </a:fld>
             <a:endParaRPr lang="en-US" altLang="en-US" dirty="0">
               <a:latin typeface="Garamond" panose="02020404030301010803" pitchFamily="18" charset="0"/>
@@ -21439,7 +21984,7 @@
 </p:sld>
 </file>
 
-<file path=ppt/slides/slide28.xml><?xml version="1.0" encoding="utf-8"?>
+<file path=ppt/slides/slide29.xml><?xml version="1.0" encoding="utf-8"?>
 <p:sld xmlns:a="http://schemas.openxmlformats.org/drawingml/2006/main" xmlns:r="http://schemas.openxmlformats.org/officeDocument/2006/relationships" xmlns:p="http://schemas.openxmlformats.org/presentationml/2006/main">
   <p:cSld>
     <p:spTree>
@@ -21772,7 +22317,7 @@
               <a:pPr>
                 <a:defRPr/>
               </a:pPr>
-              <a:t>28</a:t>
+              <a:t>29</a:t>
             </a:fld>
             <a:endParaRPr lang="en-US" altLang="en-US"/>
           </a:p>
@@ -21813,6 +22358,523 @@
       </p:grpSpPr>
       <p:sp>
         <p:nvSpPr>
+          <p:cNvPr id="9218" name="Rectangle 2"/>
+          <p:cNvSpPr>
+            <a:spLocks noGrp="1" noChangeArrowheads="1"/>
+          </p:cNvSpPr>
+          <p:nvPr>
+            <p:ph type="title"/>
+          </p:nvPr>
+        </p:nvSpPr>
+        <p:spPr>
+          <a:xfrm>
+            <a:off x="395536" y="249177"/>
+            <a:ext cx="8146042" cy="501927"/>
+          </a:xfrm>
+        </p:spPr>
+        <p:txBody>
+          <a:bodyPr/>
+          <a:lstStyle/>
+          <a:p>
+            <a:pPr eaLnBrk="1" hangingPunct="1"/>
+            <a:r>
+              <a:rPr lang="en-US" altLang="zh-TW" sz="3600" b="1" dirty="0">
+                <a:latin typeface="+mn-lt"/>
+                <a:ea typeface="新細明體" pitchFamily="18" charset="-120"/>
+                <a:cs typeface="Calibri" panose="020F0502020204030204" pitchFamily="34" charset="0"/>
+              </a:rPr>
+              <a:t>Introduction</a:t>
+            </a:r>
+          </a:p>
+        </p:txBody>
+      </p:sp>
+      <p:sp>
+        <p:nvSpPr>
+          <p:cNvPr id="10243" name="Rectangle 3"/>
+          <p:cNvSpPr>
+            <a:spLocks noGrp="1" noChangeArrowheads="1"/>
+          </p:cNvSpPr>
+          <p:nvPr>
+            <p:ph type="body" idx="1"/>
+          </p:nvPr>
+        </p:nvSpPr>
+        <p:spPr>
+          <a:xfrm>
+            <a:off x="526101" y="1268760"/>
+            <a:ext cx="7884911" cy="4392488"/>
+          </a:xfrm>
+        </p:spPr>
+        <p:txBody>
+          <a:bodyPr/>
+          <a:lstStyle/>
+          <a:p>
+            <a:pPr algn="just" eaLnBrk="1" hangingPunct="1">
+              <a:spcBef>
+                <a:spcPts val="1200"/>
+              </a:spcBef>
+              <a:defRPr/>
+            </a:pPr>
+            <a:r>
+              <a:rPr lang="fr-FR" altLang="fr-FR" sz="2400" b="1" dirty="0">
+                <a:ea typeface="新細明體" pitchFamily="18" charset="-120"/>
+                <a:cs typeface="Calibri" panose="020F0502020204030204" pitchFamily="34" charset="0"/>
+              </a:rPr>
+              <a:t>Agence : santé publique France.</a:t>
+            </a:r>
+          </a:p>
+          <a:p>
+            <a:pPr marL="0" indent="0" algn="just" eaLnBrk="1" hangingPunct="1">
+              <a:spcBef>
+                <a:spcPts val="1200"/>
+              </a:spcBef>
+              <a:buNone/>
+              <a:defRPr/>
+            </a:pPr>
+            <a:endParaRPr lang="fr-FR" altLang="fr-FR" sz="2000" b="1" dirty="0">
+              <a:ea typeface="新細明體" pitchFamily="18" charset="-120"/>
+              <a:cs typeface="Calibri" panose="020F0502020204030204" pitchFamily="34" charset="0"/>
+            </a:endParaRPr>
+          </a:p>
+          <a:p>
+            <a:pPr marL="0" indent="0" algn="just" eaLnBrk="1" hangingPunct="1">
+              <a:spcBef>
+                <a:spcPts val="1200"/>
+              </a:spcBef>
+              <a:buNone/>
+              <a:defRPr/>
+            </a:pPr>
+            <a:endParaRPr lang="fr-FR" altLang="fr-FR" sz="2000" b="1" dirty="0">
+              <a:ea typeface="新細明體" pitchFamily="18" charset="-120"/>
+              <a:cs typeface="Calibri" panose="020F0502020204030204" pitchFamily="34" charset="0"/>
+            </a:endParaRPr>
+          </a:p>
+          <a:p>
+            <a:pPr marL="0" indent="0" algn="just" eaLnBrk="1" hangingPunct="1">
+              <a:spcBef>
+                <a:spcPts val="1200"/>
+              </a:spcBef>
+              <a:buNone/>
+              <a:defRPr/>
+            </a:pPr>
+            <a:endParaRPr lang="fr-FR" altLang="fr-FR" sz="2000" b="1" dirty="0">
+              <a:ea typeface="新細明體" pitchFamily="18" charset="-120"/>
+              <a:cs typeface="Calibri" panose="020F0502020204030204" pitchFamily="34" charset="0"/>
+            </a:endParaRPr>
+          </a:p>
+          <a:p>
+            <a:pPr algn="just" eaLnBrk="1" hangingPunct="1">
+              <a:spcBef>
+                <a:spcPts val="1200"/>
+              </a:spcBef>
+              <a:defRPr/>
+            </a:pPr>
+            <a:r>
+              <a:rPr lang="fr-FR" altLang="fr-FR" sz="2400" b="1" dirty="0">
+                <a:ea typeface="新細明體" pitchFamily="18" charset="-120"/>
+                <a:cs typeface="Calibri" panose="020F0502020204030204" pitchFamily="34" charset="0"/>
+              </a:rPr>
+              <a:t>Projet: trouver des idées innovantes d’application en lien avec l’alimentation.</a:t>
+            </a:r>
+          </a:p>
+          <a:p>
+            <a:pPr algn="just" eaLnBrk="1" hangingPunct="1">
+              <a:spcBef>
+                <a:spcPts val="1200"/>
+              </a:spcBef>
+              <a:defRPr/>
+            </a:pPr>
+            <a:r>
+              <a:rPr lang="fr-FR" altLang="fr-FR" sz="2400" b="1" dirty="0">
+                <a:ea typeface="新細明體" pitchFamily="18" charset="-120"/>
+                <a:cs typeface="Calibri" panose="020F0502020204030204" pitchFamily="34" charset="0"/>
+              </a:rPr>
+              <a:t>Mission : </a:t>
+            </a:r>
+          </a:p>
+          <a:p>
+            <a:pPr indent="12700" algn="just" eaLnBrk="1" hangingPunct="1">
+              <a:spcBef>
+                <a:spcPts val="1200"/>
+              </a:spcBef>
+              <a:buFont typeface="Wingdings" panose="05000000000000000000" pitchFamily="2" charset="2"/>
+              <a:buChar char="Ø"/>
+              <a:defRPr/>
+            </a:pPr>
+            <a:r>
+              <a:rPr lang="fr-FR" altLang="fr-FR" sz="2400" b="1" dirty="0">
+                <a:ea typeface="新細明體" pitchFamily="18" charset="-120"/>
+                <a:cs typeface="Calibri" panose="020F0502020204030204" pitchFamily="34" charset="0"/>
+              </a:rPr>
+              <a:t> Traitement des données.</a:t>
+            </a:r>
+          </a:p>
+          <a:p>
+            <a:pPr indent="12700" algn="just" eaLnBrk="1" hangingPunct="1">
+              <a:spcBef>
+                <a:spcPts val="1200"/>
+              </a:spcBef>
+              <a:buFont typeface="Wingdings" panose="05000000000000000000" pitchFamily="2" charset="2"/>
+              <a:buChar char="Ø"/>
+              <a:defRPr/>
+            </a:pPr>
+            <a:r>
+              <a:rPr lang="fr-FR" altLang="fr-FR" sz="2400" b="1" dirty="0">
+                <a:ea typeface="新細明體" pitchFamily="18" charset="-120"/>
+                <a:cs typeface="Calibri" panose="020F0502020204030204" pitchFamily="34" charset="0"/>
+              </a:rPr>
+              <a:t> Analyse exploratoire.</a:t>
+            </a:r>
+          </a:p>
+          <a:p>
+            <a:pPr marL="265112" indent="0">
+              <a:spcAft>
+                <a:spcPts val="200"/>
+              </a:spcAft>
+              <a:buNone/>
+            </a:pPr>
+            <a:endParaRPr lang="fr-FR" sz="2000" dirty="0"/>
+          </a:p>
+          <a:p>
+            <a:pPr marL="0" indent="0" algn="just" eaLnBrk="1" hangingPunct="1">
+              <a:spcBef>
+                <a:spcPts val="1200"/>
+              </a:spcBef>
+              <a:buNone/>
+              <a:defRPr/>
+            </a:pPr>
+            <a:endParaRPr lang="fr-FR" altLang="fr-FR" sz="2000" b="1" dirty="0">
+              <a:ea typeface="新細明體" pitchFamily="18" charset="-120"/>
+              <a:cs typeface="Calibri" panose="020F0502020204030204" pitchFamily="34" charset="0"/>
+            </a:endParaRPr>
+          </a:p>
+          <a:p>
+            <a:pPr algn="just" eaLnBrk="1" hangingPunct="1">
+              <a:spcBef>
+                <a:spcPts val="1200"/>
+              </a:spcBef>
+              <a:defRPr/>
+            </a:pPr>
+            <a:endParaRPr lang="fr-FR" altLang="fr-FR" sz="2000" b="1" dirty="0">
+              <a:ea typeface="新細明體" pitchFamily="18" charset="-120"/>
+              <a:cs typeface="Calibri" panose="020F0502020204030204" pitchFamily="34" charset="0"/>
+            </a:endParaRPr>
+          </a:p>
+          <a:p>
+            <a:pPr algn="just" eaLnBrk="1" hangingPunct="1">
+              <a:defRPr/>
+            </a:pPr>
+            <a:endParaRPr lang="fr-FR" altLang="fr-FR" b="1" dirty="0">
+              <a:ea typeface="新細明體" pitchFamily="18" charset="-120"/>
+            </a:endParaRPr>
+          </a:p>
+          <a:p>
+            <a:pPr algn="just" eaLnBrk="1" hangingPunct="1">
+              <a:defRPr/>
+            </a:pPr>
+            <a:endParaRPr lang="fr-FR" altLang="fr-FR" b="1" dirty="0">
+              <a:ea typeface="新細明體" pitchFamily="18" charset="-120"/>
+            </a:endParaRPr>
+          </a:p>
+          <a:p>
+            <a:pPr marL="0" indent="0" algn="just" eaLnBrk="1" hangingPunct="1">
+              <a:lnSpc>
+                <a:spcPct val="150000"/>
+              </a:lnSpc>
+              <a:buNone/>
+              <a:defRPr/>
+            </a:pPr>
+            <a:endParaRPr lang="fr-FR" altLang="fr-FR" sz="2400" b="1" dirty="0">
+              <a:ea typeface="新細明體" pitchFamily="18" charset="-120"/>
+            </a:endParaRPr>
+          </a:p>
+          <a:p>
+            <a:pPr algn="just" eaLnBrk="1" hangingPunct="1">
+              <a:defRPr/>
+            </a:pPr>
+            <a:endParaRPr lang="fr-FR" altLang="fr-FR" sz="2400" b="1" dirty="0"/>
+          </a:p>
+          <a:p>
+            <a:pPr algn="just" eaLnBrk="1" hangingPunct="1">
+              <a:defRPr/>
+            </a:pPr>
+            <a:endParaRPr lang="fr-FR" altLang="fr-FR" sz="2400" b="1" dirty="0"/>
+          </a:p>
+          <a:p>
+            <a:pPr algn="just" eaLnBrk="1" hangingPunct="1">
+              <a:lnSpc>
+                <a:spcPct val="150000"/>
+              </a:lnSpc>
+              <a:defRPr/>
+            </a:pPr>
+            <a:endParaRPr lang="fr-FR" altLang="fr-FR" sz="2400" b="1" dirty="0">
+              <a:ea typeface="新細明體" pitchFamily="18" charset="-120"/>
+            </a:endParaRPr>
+          </a:p>
+          <a:p>
+            <a:pPr marL="0" indent="0" eaLnBrk="1" hangingPunct="1">
+              <a:lnSpc>
+                <a:spcPct val="80000"/>
+              </a:lnSpc>
+              <a:buFont typeface="Wingdings" panose="05000000000000000000" pitchFamily="2" charset="2"/>
+              <a:buNone/>
+              <a:defRPr/>
+            </a:pPr>
+            <a:endParaRPr lang="fr-FR" altLang="zh-TW" sz="3200" dirty="0">
+              <a:ea typeface="新細明體" pitchFamily="18" charset="-120"/>
+            </a:endParaRPr>
+          </a:p>
+          <a:p>
+            <a:pPr marL="0" indent="0" eaLnBrk="1" hangingPunct="1">
+              <a:lnSpc>
+                <a:spcPct val="80000"/>
+              </a:lnSpc>
+              <a:buFont typeface="Wingdings" panose="05000000000000000000" pitchFamily="2" charset="2"/>
+              <a:buNone/>
+              <a:defRPr/>
+            </a:pPr>
+            <a:endParaRPr lang="fr-FR" altLang="zh-TW" sz="3200" dirty="0">
+              <a:ea typeface="新細明體" pitchFamily="18" charset="-120"/>
+            </a:endParaRPr>
+          </a:p>
+          <a:p>
+            <a:pPr marL="0" indent="0" eaLnBrk="1" hangingPunct="1">
+              <a:lnSpc>
+                <a:spcPct val="80000"/>
+              </a:lnSpc>
+              <a:buFont typeface="Wingdings" panose="05000000000000000000" pitchFamily="2" charset="2"/>
+              <a:buNone/>
+              <a:defRPr/>
+            </a:pPr>
+            <a:endParaRPr lang="fr-FR" altLang="zh-TW" sz="3200" dirty="0">
+              <a:ea typeface="新細明體" pitchFamily="18" charset="-120"/>
+            </a:endParaRPr>
+          </a:p>
+          <a:p>
+            <a:pPr marL="0" indent="0" eaLnBrk="1" hangingPunct="1">
+              <a:lnSpc>
+                <a:spcPct val="80000"/>
+              </a:lnSpc>
+              <a:buFont typeface="Wingdings" panose="05000000000000000000" pitchFamily="2" charset="2"/>
+              <a:buNone/>
+              <a:defRPr/>
+            </a:pPr>
+            <a:endParaRPr lang="fr-FR" altLang="zh-TW" sz="3200" dirty="0">
+              <a:ea typeface="新細明體" pitchFamily="18" charset="-120"/>
+            </a:endParaRPr>
+          </a:p>
+        </p:txBody>
+      </p:sp>
+      <p:sp>
+        <p:nvSpPr>
+          <p:cNvPr id="9226" name="Espace réservé du numéro de diapositive 9"/>
+          <p:cNvSpPr>
+            <a:spLocks noGrp="1"/>
+          </p:cNvSpPr>
+          <p:nvPr>
+            <p:ph type="sldNum" sz="quarter" idx="12"/>
+          </p:nvPr>
+        </p:nvSpPr>
+        <p:spPr>
+          <a:noFill/>
+          <a:ln/>
+          <a:extLst>
+            <a:ext uri="{909E8E84-426E-40DD-AFC4-6F175D3DCCD1}">
+              <a14:hiddenFill xmlns:a14="http://schemas.microsoft.com/office/drawing/2010/main">
+                <a:solidFill>
+                  <a:srgbClr val="FFFFFF"/>
+                </a:solidFill>
+              </a14:hiddenFill>
+            </a:ext>
+            <a:ext uri="{91240B29-F687-4F45-9708-019B960494DF}">
+              <a14:hiddenLine xmlns:a14="http://schemas.microsoft.com/office/drawing/2010/main" w="9525">
+                <a:solidFill>
+                  <a:srgbClr val="000000"/>
+                </a:solidFill>
+                <a:miter lim="800000"/>
+                <a:headEnd/>
+                <a:tailEnd/>
+              </a14:hiddenLine>
+            </a:ext>
+          </a:extLst>
+        </p:spPr>
+        <p:txBody>
+          <a:bodyPr/>
+          <a:lstStyle>
+            <a:lvl1pPr>
+              <a:defRPr>
+                <a:solidFill>
+                  <a:schemeClr val="tx1"/>
+                </a:solidFill>
+                <a:latin typeface="Arial" panose="020B0604020202020204" pitchFamily="34" charset="0"/>
+              </a:defRPr>
+            </a:lvl1pPr>
+            <a:lvl2pPr marL="742950" indent="-285750">
+              <a:defRPr>
+                <a:solidFill>
+                  <a:schemeClr val="tx1"/>
+                </a:solidFill>
+                <a:latin typeface="Arial" panose="020B0604020202020204" pitchFamily="34" charset="0"/>
+              </a:defRPr>
+            </a:lvl2pPr>
+            <a:lvl3pPr marL="1143000" indent="-228600">
+              <a:defRPr>
+                <a:solidFill>
+                  <a:schemeClr val="tx1"/>
+                </a:solidFill>
+                <a:latin typeface="Arial" panose="020B0604020202020204" pitchFamily="34" charset="0"/>
+              </a:defRPr>
+            </a:lvl3pPr>
+            <a:lvl4pPr marL="1600200" indent="-228600">
+              <a:defRPr>
+                <a:solidFill>
+                  <a:schemeClr val="tx1"/>
+                </a:solidFill>
+                <a:latin typeface="Arial" panose="020B0604020202020204" pitchFamily="34" charset="0"/>
+              </a:defRPr>
+            </a:lvl4pPr>
+            <a:lvl5pPr marL="2057400" indent="-228600">
+              <a:defRPr>
+                <a:solidFill>
+                  <a:schemeClr val="tx1"/>
+                </a:solidFill>
+                <a:latin typeface="Arial" panose="020B0604020202020204" pitchFamily="34" charset="0"/>
+              </a:defRPr>
+            </a:lvl5pPr>
+            <a:lvl6pPr marL="2514600" indent="-228600" eaLnBrk="0" fontAlgn="base" hangingPunct="0">
+              <a:spcBef>
+                <a:spcPct val="0"/>
+              </a:spcBef>
+              <a:spcAft>
+                <a:spcPct val="0"/>
+              </a:spcAft>
+              <a:defRPr>
+                <a:solidFill>
+                  <a:schemeClr val="tx1"/>
+                </a:solidFill>
+                <a:latin typeface="Arial" panose="020B0604020202020204" pitchFamily="34" charset="0"/>
+              </a:defRPr>
+            </a:lvl6pPr>
+            <a:lvl7pPr marL="2971800" indent="-228600" eaLnBrk="0" fontAlgn="base" hangingPunct="0">
+              <a:spcBef>
+                <a:spcPct val="0"/>
+              </a:spcBef>
+              <a:spcAft>
+                <a:spcPct val="0"/>
+              </a:spcAft>
+              <a:defRPr>
+                <a:solidFill>
+                  <a:schemeClr val="tx1"/>
+                </a:solidFill>
+                <a:latin typeface="Arial" panose="020B0604020202020204" pitchFamily="34" charset="0"/>
+              </a:defRPr>
+            </a:lvl7pPr>
+            <a:lvl8pPr marL="3429000" indent="-228600" eaLnBrk="0" fontAlgn="base" hangingPunct="0">
+              <a:spcBef>
+                <a:spcPct val="0"/>
+              </a:spcBef>
+              <a:spcAft>
+                <a:spcPct val="0"/>
+              </a:spcAft>
+              <a:defRPr>
+                <a:solidFill>
+                  <a:schemeClr val="tx1"/>
+                </a:solidFill>
+                <a:latin typeface="Arial" panose="020B0604020202020204" pitchFamily="34" charset="0"/>
+              </a:defRPr>
+            </a:lvl8pPr>
+            <a:lvl9pPr marL="3886200" indent="-228600" eaLnBrk="0" fontAlgn="base" hangingPunct="0">
+              <a:spcBef>
+                <a:spcPct val="0"/>
+              </a:spcBef>
+              <a:spcAft>
+                <a:spcPct val="0"/>
+              </a:spcAft>
+              <a:defRPr>
+                <a:solidFill>
+                  <a:schemeClr val="tx1"/>
+                </a:solidFill>
+                <a:latin typeface="Arial" panose="020B0604020202020204" pitchFamily="34" charset="0"/>
+              </a:defRPr>
+            </a:lvl9pPr>
+          </a:lstStyle>
+          <a:p>
+            <a:fld id="{429751C9-AD19-4B25-A7C7-90AB00D93E71}" type="slidenum">
+              <a:rPr lang="en-US" altLang="en-US" smtClean="0">
+                <a:latin typeface="Garamond" panose="02020404030301010803" pitchFamily="18" charset="0"/>
+              </a:rPr>
+              <a:pPr/>
+              <a:t>3</a:t>
+            </a:fld>
+            <a:endParaRPr lang="en-US" altLang="en-US" dirty="0">
+              <a:latin typeface="Garamond" panose="02020404030301010803" pitchFamily="18" charset="0"/>
+            </a:endParaRPr>
+          </a:p>
+        </p:txBody>
+      </p:sp>
+      <p:pic>
+        <p:nvPicPr>
+          <p:cNvPr id="3" name="Image 2"/>
+          <p:cNvPicPr>
+            <a:picLocks noChangeAspect="1"/>
+          </p:cNvPicPr>
+          <p:nvPr/>
+        </p:nvPicPr>
+        <p:blipFill>
+          <a:blip r:embed="rId3">
+            <a:extLst>
+              <a:ext uri="{28A0092B-C50C-407E-A947-70E740481C1C}">
+                <a14:useLocalDpi xmlns:a14="http://schemas.microsoft.com/office/drawing/2010/main" val="0"/>
+              </a:ext>
+            </a:extLst>
+          </a:blip>
+          <a:srcRect/>
+          <a:stretch/>
+        </p:blipFill>
+        <p:spPr>
+          <a:xfrm>
+            <a:off x="2843808" y="1844824"/>
+            <a:ext cx="2013683" cy="1223504"/>
+          </a:xfrm>
+          <a:prstGeom prst="rect">
+            <a:avLst/>
+          </a:prstGeom>
+        </p:spPr>
+      </p:pic>
+    </p:spTree>
+  </p:cSld>
+  <p:clrMapOvr>
+    <a:masterClrMapping/>
+  </p:clrMapOvr>
+  <mc:AlternateContent xmlns:mc="http://schemas.openxmlformats.org/markup-compatibility/2006">
+    <mc:Choice xmlns:p14="http://schemas.microsoft.com/office/powerpoint/2010/main" Requires="p14">
+      <p:transition spd="slow" p14:dur="2000" advTm="38033"/>
+    </mc:Choice>
+    <mc:Fallback>
+      <p:transition spd="slow" advTm="38033"/>
+    </mc:Fallback>
+  </mc:AlternateContent>
+</p:sld>
+</file>
+
+<file path=ppt/slides/slide4.xml><?xml version="1.0" encoding="utf-8"?>
+<p:sld xmlns:a="http://schemas.openxmlformats.org/drawingml/2006/main" xmlns:r="http://schemas.openxmlformats.org/officeDocument/2006/relationships" xmlns:p="http://schemas.openxmlformats.org/presentationml/2006/main">
+  <p:cSld>
+    <p:spTree>
+      <p:nvGrpSpPr>
+        <p:cNvPr id="1" name=""/>
+        <p:cNvGrpSpPr/>
+        <p:nvPr/>
+      </p:nvGrpSpPr>
+      <p:grpSpPr>
+        <a:xfrm>
+          <a:off x="0" y="0"/>
+          <a:ext cx="0" cy="0"/>
+          <a:chOff x="0" y="0"/>
+          <a:chExt cx="0" cy="0"/>
+        </a:xfrm>
+      </p:grpSpPr>
+      <p:sp>
+        <p:nvSpPr>
           <p:cNvPr id="7170" name="Rectangle 2"/>
           <p:cNvSpPr>
             <a:spLocks noGrp="1" noChangeArrowheads="1"/>
@@ -22220,7 +23282,7 @@
 </p:sld>
 </file>
 
-<file path=ppt/slides/slide4.xml><?xml version="1.0" encoding="utf-8"?>
+<file path=ppt/slides/slide5.xml><?xml version="1.0" encoding="utf-8"?>
 <p:sld xmlns:a="http://schemas.openxmlformats.org/drawingml/2006/main" xmlns:r="http://schemas.openxmlformats.org/officeDocument/2006/relationships" xmlns:p="http://schemas.openxmlformats.org/presentationml/2006/main">
   <p:cSld>
     <p:spTree>
@@ -22411,7 +23473,7 @@
               <a:pPr>
                 <a:defRPr/>
               </a:pPr>
-              <a:t>4</a:t>
+              <a:t>5</a:t>
             </a:fld>
             <a:endParaRPr lang="en-US" altLang="en-US"/>
           </a:p>
@@ -22681,7 +23743,7 @@
 </p:sld>
 </file>
 
-<file path=ppt/slides/slide5.xml><?xml version="1.0" encoding="utf-8"?>
+<file path=ppt/slides/slide6.xml><?xml version="1.0" encoding="utf-8"?>
 <p:sld xmlns:a="http://schemas.openxmlformats.org/drawingml/2006/main" xmlns:r="http://schemas.openxmlformats.org/officeDocument/2006/relationships" xmlns:p="http://schemas.openxmlformats.org/presentationml/2006/main">
   <p:cSld>
     <p:spTree>
@@ -22836,7 +23898,7 @@
               <a:pPr>
                 <a:defRPr/>
               </a:pPr>
-              <a:t>5</a:t>
+              <a:t>6</a:t>
             </a:fld>
             <a:endParaRPr lang="en-US" altLang="en-US"/>
           </a:p>
@@ -22939,7 +24001,7 @@
 </p:sld>
 </file>
 
-<file path=ppt/slides/slide6.xml><?xml version="1.0" encoding="utf-8"?>
+<file path=ppt/slides/slide7.xml><?xml version="1.0" encoding="utf-8"?>
 <p:sld xmlns:a="http://schemas.openxmlformats.org/drawingml/2006/main" xmlns:r="http://schemas.openxmlformats.org/officeDocument/2006/relationships" xmlns:p="http://schemas.openxmlformats.org/presentationml/2006/main">
   <p:cSld>
     <p:spTree>
@@ -23382,7 +24444,7 @@
 </p:sld>
 </file>
 
-<file path=ppt/slides/slide7.xml><?xml version="1.0" encoding="utf-8"?>
+<file path=ppt/slides/slide8.xml><?xml version="1.0" encoding="utf-8"?>
 <p:sld xmlns:a="http://schemas.openxmlformats.org/drawingml/2006/main" xmlns:r="http://schemas.openxmlformats.org/officeDocument/2006/relationships" xmlns:p="http://schemas.openxmlformats.org/presentationml/2006/main">
   <p:cSld>
     <p:spTree>
@@ -23534,7 +24596,7 @@
               <a:pPr>
                 <a:defRPr/>
               </a:pPr>
-              <a:t>7</a:t>
+              <a:t>8</a:t>
             </a:fld>
             <a:endParaRPr lang="en-US" altLang="en-US"/>
           </a:p>
@@ -24377,7 +25439,7 @@
 </p:sld>
 </file>
 
-<file path=ppt/slides/slide8.xml><?xml version="1.0" encoding="utf-8"?>
+<file path=ppt/slides/slide9.xml><?xml version="1.0" encoding="utf-8"?>
 <p:sld xmlns:a="http://schemas.openxmlformats.org/drawingml/2006/main" xmlns:r="http://schemas.openxmlformats.org/officeDocument/2006/relationships" xmlns:p="http://schemas.openxmlformats.org/presentationml/2006/main">
   <p:cSld>
     <p:spTree>
@@ -24592,7 +25654,7 @@
               <a:pPr>
                 <a:defRPr/>
               </a:pPr>
-              <a:t>8</a:t>
+              <a:t>9</a:t>
             </a:fld>
             <a:endParaRPr lang="en-US" altLang="en-US"/>
           </a:p>
@@ -25080,471 +26142,6 @@
     </mc:Choice>
     <mc:Fallback>
       <p:transition spd="slow" advTm="118751"/>
-    </mc:Fallback>
-  </mc:AlternateContent>
-</p:sld>
-</file>
-
-<file path=ppt/slides/slide9.xml><?xml version="1.0" encoding="utf-8"?>
-<p:sld xmlns:a="http://schemas.openxmlformats.org/drawingml/2006/main" xmlns:r="http://schemas.openxmlformats.org/officeDocument/2006/relationships" xmlns:p="http://schemas.openxmlformats.org/presentationml/2006/main">
-  <p:cSld>
-    <p:spTree>
-      <p:nvGrpSpPr>
-        <p:cNvPr id="1" name=""/>
-        <p:cNvGrpSpPr/>
-        <p:nvPr/>
-      </p:nvGrpSpPr>
-      <p:grpSpPr>
-        <a:xfrm>
-          <a:off x="0" y="0"/>
-          <a:ext cx="0" cy="0"/>
-          <a:chOff x="0" y="0"/>
-          <a:chExt cx="0" cy="0"/>
-        </a:xfrm>
-      </p:grpSpPr>
-      <p:sp>
-        <p:nvSpPr>
-          <p:cNvPr id="7170" name="Rectangle 2"/>
-          <p:cNvSpPr>
-            <a:spLocks noGrp="1" noChangeArrowheads="1"/>
-          </p:cNvSpPr>
-          <p:nvPr>
-            <p:ph type="title"/>
-          </p:nvPr>
-        </p:nvSpPr>
-        <p:spPr>
-          <a:xfrm>
-            <a:off x="395536" y="130816"/>
-            <a:ext cx="7678071" cy="725602"/>
-          </a:xfrm>
-        </p:spPr>
-        <p:txBody>
-          <a:bodyPr/>
-          <a:lstStyle/>
-          <a:p>
-            <a:pPr eaLnBrk="1" hangingPunct="1"/>
-            <a:r>
-              <a:rPr lang="en-US" altLang="zh-TW" b="1" dirty="0">
-                <a:ea typeface="新細明體" pitchFamily="18" charset="-120"/>
-              </a:rPr>
-              <a:t>Plan</a:t>
-            </a:r>
-          </a:p>
-        </p:txBody>
-      </p:sp>
-      <p:sp>
-        <p:nvSpPr>
-          <p:cNvPr id="7171" name="Rectangle 3"/>
-          <p:cNvSpPr>
-            <a:spLocks noGrp="1" noChangeArrowheads="1"/>
-          </p:cNvSpPr>
-          <p:nvPr>
-            <p:ph type="body" idx="1"/>
-          </p:nvPr>
-        </p:nvSpPr>
-        <p:spPr>
-          <a:xfrm>
-            <a:off x="489820" y="856418"/>
-            <a:ext cx="8196980" cy="6461014"/>
-          </a:xfrm>
-        </p:spPr>
-        <p:txBody>
-          <a:bodyPr/>
-          <a:lstStyle/>
-          <a:p>
-            <a:pPr marL="269875" indent="-269875" algn="just" eaLnBrk="1" hangingPunct="1">
-              <a:spcBef>
-                <a:spcPts val="1800"/>
-              </a:spcBef>
-            </a:pPr>
-            <a:r>
-              <a:rPr lang="fr-FR" altLang="zh-TW" sz="2400" b="1" dirty="0">
-                <a:solidFill>
-                  <a:schemeClr val="bg1">
-                    <a:lumMod val="75000"/>
-                  </a:schemeClr>
-                </a:solidFill>
-                <a:ea typeface="新細明體" pitchFamily="18" charset="-120"/>
-              </a:rPr>
-              <a:t>Introduction</a:t>
-            </a:r>
-          </a:p>
-          <a:p>
-            <a:pPr marL="269875" indent="-269875" algn="just" eaLnBrk="1" hangingPunct="1">
-              <a:spcBef>
-                <a:spcPts val="1800"/>
-              </a:spcBef>
-            </a:pPr>
-            <a:r>
-              <a:rPr lang="fr-FR" altLang="zh-TW" sz="2400" b="1" dirty="0">
-                <a:solidFill>
-                  <a:schemeClr val="bg1">
-                    <a:lumMod val="85000"/>
-                  </a:schemeClr>
-                </a:solidFill>
-                <a:ea typeface="新細明體" pitchFamily="18" charset="-120"/>
-              </a:rPr>
-              <a:t>Traitement des données</a:t>
-            </a:r>
-          </a:p>
-          <a:p>
-            <a:pPr indent="-77788" algn="just" eaLnBrk="1" hangingPunct="1">
-              <a:spcBef>
-                <a:spcPts val="1800"/>
-              </a:spcBef>
-              <a:buFont typeface="Wingdings" panose="05000000000000000000" pitchFamily="2" charset="2"/>
-              <a:buChar char="Ø"/>
-            </a:pPr>
-            <a:r>
-              <a:rPr lang="fr-FR" altLang="zh-TW" sz="2400" b="1" dirty="0">
-                <a:ea typeface="新細明體" pitchFamily="18" charset="-120"/>
-              </a:rPr>
-              <a:t> </a:t>
-            </a:r>
-            <a:r>
-              <a:rPr lang="fr-FR" altLang="zh-TW" sz="2400" b="1" dirty="0">
-                <a:solidFill>
-                  <a:schemeClr val="bg1">
-                    <a:lumMod val="75000"/>
-                  </a:schemeClr>
-                </a:solidFill>
-                <a:ea typeface="新細明體" pitchFamily="18" charset="-120"/>
-              </a:rPr>
-              <a:t>Présentation du jeu de données</a:t>
-            </a:r>
-          </a:p>
-          <a:p>
-            <a:pPr indent="-77788" algn="just" eaLnBrk="1" hangingPunct="1">
-              <a:spcBef>
-                <a:spcPts val="1800"/>
-              </a:spcBef>
-              <a:buFont typeface="Wingdings" panose="05000000000000000000" pitchFamily="2" charset="2"/>
-              <a:buChar char="Ø"/>
-            </a:pPr>
-            <a:r>
-              <a:rPr lang="fr-FR" altLang="zh-TW" sz="2400" b="1" dirty="0">
-                <a:solidFill>
-                  <a:schemeClr val="bg1">
-                    <a:lumMod val="75000"/>
-                  </a:schemeClr>
-                </a:solidFill>
-                <a:ea typeface="新細明體" pitchFamily="18" charset="-120"/>
-              </a:rPr>
-              <a:t> Idée</a:t>
-            </a:r>
-            <a:r>
-              <a:rPr lang="fr-FR" altLang="zh-TW" sz="2400" b="1" dirty="0">
-                <a:ea typeface="新細明體" pitchFamily="18" charset="-120"/>
-              </a:rPr>
-              <a:t> </a:t>
-            </a:r>
-            <a:r>
-              <a:rPr lang="fr-FR" altLang="zh-TW" sz="2400" b="1" dirty="0">
-                <a:solidFill>
-                  <a:schemeClr val="bg1">
-                    <a:lumMod val="75000"/>
-                  </a:schemeClr>
-                </a:solidFill>
-                <a:ea typeface="新細明體" pitchFamily="18" charset="-120"/>
-              </a:rPr>
-              <a:t>d’application</a:t>
-            </a:r>
-          </a:p>
-          <a:p>
-            <a:pPr indent="-77788" algn="just" eaLnBrk="1" hangingPunct="1">
-              <a:spcBef>
-                <a:spcPts val="1800"/>
-              </a:spcBef>
-              <a:buFont typeface="Wingdings" panose="05000000000000000000" pitchFamily="2" charset="2"/>
-              <a:buChar char="Ø"/>
-            </a:pPr>
-            <a:r>
-              <a:rPr lang="fr-FR" altLang="zh-TW" sz="2400" b="1" dirty="0">
-                <a:solidFill>
-                  <a:schemeClr val="bg1">
-                    <a:lumMod val="75000"/>
-                  </a:schemeClr>
-                </a:solidFill>
-                <a:ea typeface="新細明體" pitchFamily="18" charset="-120"/>
-              </a:rPr>
-              <a:t> </a:t>
-            </a:r>
-            <a:r>
-              <a:rPr lang="fr-FR" altLang="zh-TW" sz="2400" b="1" dirty="0">
-                <a:ea typeface="新細明體" pitchFamily="18" charset="-120"/>
-              </a:rPr>
-              <a:t>Nettoyage de données</a:t>
-            </a:r>
-          </a:p>
-          <a:p>
-            <a:pPr marL="269875" indent="-269875" algn="just" eaLnBrk="1" hangingPunct="1">
-              <a:spcBef>
-                <a:spcPts val="1800"/>
-              </a:spcBef>
-            </a:pPr>
-            <a:r>
-              <a:rPr lang="fr-FR" altLang="zh-TW" sz="2400" b="1" dirty="0">
-                <a:solidFill>
-                  <a:schemeClr val="bg1">
-                    <a:lumMod val="75000"/>
-                  </a:schemeClr>
-                </a:solidFill>
-                <a:ea typeface="新細明體" pitchFamily="18" charset="-120"/>
-              </a:rPr>
-              <a:t>Analyse exploratoire</a:t>
-            </a:r>
-          </a:p>
-          <a:p>
-            <a:pPr indent="-69850" algn="just" eaLnBrk="1" hangingPunct="1">
-              <a:spcBef>
-                <a:spcPts val="1800"/>
-              </a:spcBef>
-              <a:buFont typeface="Wingdings" panose="05000000000000000000" pitchFamily="2" charset="2"/>
-              <a:buChar char="Ø"/>
-              <a:tabLst>
-                <a:tab pos="531813" algn="l"/>
-              </a:tabLst>
-            </a:pPr>
-            <a:r>
-              <a:rPr lang="fr-FR" altLang="zh-TW" sz="2400" b="1" dirty="0">
-                <a:solidFill>
-                  <a:schemeClr val="bg1">
-                    <a:lumMod val="75000"/>
-                  </a:schemeClr>
-                </a:solidFill>
-                <a:ea typeface="新細明體" pitchFamily="18" charset="-120"/>
-              </a:rPr>
-              <a:t> Analyse univariée/bivariée</a:t>
-            </a:r>
-          </a:p>
-          <a:p>
-            <a:pPr indent="-69850" algn="just" eaLnBrk="1" hangingPunct="1">
-              <a:spcBef>
-                <a:spcPts val="1800"/>
-              </a:spcBef>
-              <a:buFont typeface="Wingdings" panose="05000000000000000000" pitchFamily="2" charset="2"/>
-              <a:buChar char="Ø"/>
-              <a:tabLst>
-                <a:tab pos="531813" algn="l"/>
-              </a:tabLst>
-            </a:pPr>
-            <a:r>
-              <a:rPr lang="fr-FR" altLang="zh-TW" sz="2400" b="1" dirty="0">
-                <a:solidFill>
-                  <a:schemeClr val="bg1">
-                    <a:lumMod val="75000"/>
-                  </a:schemeClr>
-                </a:solidFill>
-                <a:ea typeface="新細明體" pitchFamily="18" charset="-120"/>
-              </a:rPr>
-              <a:t> Analyse multivariée</a:t>
-            </a:r>
-          </a:p>
-          <a:p>
-            <a:pPr marL="269875" indent="-269875" algn="just" eaLnBrk="1" hangingPunct="1">
-              <a:spcBef>
-                <a:spcPts val="1800"/>
-              </a:spcBef>
-            </a:pPr>
-            <a:r>
-              <a:rPr lang="fr-FR" altLang="zh-TW" sz="2400" b="1" dirty="0">
-                <a:solidFill>
-                  <a:schemeClr val="bg1">
-                    <a:lumMod val="75000"/>
-                  </a:schemeClr>
-                </a:solidFill>
-                <a:ea typeface="新細明體" pitchFamily="18" charset="-120"/>
-              </a:rPr>
-              <a:t>Conclusion</a:t>
-            </a:r>
-          </a:p>
-          <a:p>
-            <a:pPr marL="269875" indent="-269875" algn="just" eaLnBrk="1" hangingPunct="1">
-              <a:spcBef>
-                <a:spcPts val="1800"/>
-              </a:spcBef>
-            </a:pPr>
-            <a:endParaRPr lang="fr-FR" altLang="zh-TW" sz="2400" b="1" dirty="0">
-              <a:ea typeface="新細明體" pitchFamily="18" charset="-120"/>
-            </a:endParaRPr>
-          </a:p>
-          <a:p>
-            <a:pPr marL="0" indent="0" algn="just" eaLnBrk="1" hangingPunct="1">
-              <a:spcBef>
-                <a:spcPts val="1800"/>
-              </a:spcBef>
-              <a:buNone/>
-            </a:pPr>
-            <a:endParaRPr lang="fr-FR" altLang="zh-TW" sz="2400" b="1" dirty="0">
-              <a:solidFill>
-                <a:schemeClr val="bg1">
-                  <a:lumMod val="85000"/>
-                </a:schemeClr>
-              </a:solidFill>
-              <a:ea typeface="新細明體" pitchFamily="18" charset="-120"/>
-            </a:endParaRPr>
-          </a:p>
-        </p:txBody>
-      </p:sp>
-      <p:sp>
-        <p:nvSpPr>
-          <p:cNvPr id="7173" name="Espace réservé du numéro de diapositive 3"/>
-          <p:cNvSpPr>
-            <a:spLocks noGrp="1"/>
-          </p:cNvSpPr>
-          <p:nvPr>
-            <p:ph type="sldNum" sz="quarter" idx="12"/>
-          </p:nvPr>
-        </p:nvSpPr>
-        <p:spPr>
-          <a:noFill/>
-          <a:ln/>
-          <a:extLst>
-            <a:ext uri="{909E8E84-426E-40DD-AFC4-6F175D3DCCD1}">
-              <a14:hiddenFill xmlns:a14="http://schemas.microsoft.com/office/drawing/2010/main">
-                <a:solidFill>
-                  <a:srgbClr val="FFFFFF"/>
-                </a:solidFill>
-              </a14:hiddenFill>
-            </a:ext>
-            <a:ext uri="{91240B29-F687-4F45-9708-019B960494DF}">
-              <a14:hiddenLine xmlns:a14="http://schemas.microsoft.com/office/drawing/2010/main" w="9525">
-                <a:solidFill>
-                  <a:srgbClr val="000000"/>
-                </a:solidFill>
-                <a:miter lim="800000"/>
-                <a:headEnd/>
-                <a:tailEnd/>
-              </a14:hiddenLine>
-            </a:ext>
-          </a:extLst>
-        </p:spPr>
-        <p:txBody>
-          <a:bodyPr/>
-          <a:lstStyle>
-            <a:lvl1pPr>
-              <a:defRPr>
-                <a:solidFill>
-                  <a:schemeClr val="tx1"/>
-                </a:solidFill>
-                <a:latin typeface="Arial" panose="020B0604020202020204" pitchFamily="34" charset="0"/>
-              </a:defRPr>
-            </a:lvl1pPr>
-            <a:lvl2pPr marL="742950" indent="-285750">
-              <a:defRPr>
-                <a:solidFill>
-                  <a:schemeClr val="tx1"/>
-                </a:solidFill>
-                <a:latin typeface="Arial" panose="020B0604020202020204" pitchFamily="34" charset="0"/>
-              </a:defRPr>
-            </a:lvl2pPr>
-            <a:lvl3pPr marL="1143000" indent="-228600">
-              <a:defRPr>
-                <a:solidFill>
-                  <a:schemeClr val="tx1"/>
-                </a:solidFill>
-                <a:latin typeface="Arial" panose="020B0604020202020204" pitchFamily="34" charset="0"/>
-              </a:defRPr>
-            </a:lvl3pPr>
-            <a:lvl4pPr marL="1600200" indent="-228600">
-              <a:defRPr>
-                <a:solidFill>
-                  <a:schemeClr val="tx1"/>
-                </a:solidFill>
-                <a:latin typeface="Arial" panose="020B0604020202020204" pitchFamily="34" charset="0"/>
-              </a:defRPr>
-            </a:lvl4pPr>
-            <a:lvl5pPr marL="2057400" indent="-228600">
-              <a:defRPr>
-                <a:solidFill>
-                  <a:schemeClr val="tx1"/>
-                </a:solidFill>
-                <a:latin typeface="Arial" panose="020B0604020202020204" pitchFamily="34" charset="0"/>
-              </a:defRPr>
-            </a:lvl5pPr>
-            <a:lvl6pPr marL="2514600" indent="-228600" eaLnBrk="0" fontAlgn="base" hangingPunct="0">
-              <a:spcBef>
-                <a:spcPct val="0"/>
-              </a:spcBef>
-              <a:spcAft>
-                <a:spcPct val="0"/>
-              </a:spcAft>
-              <a:defRPr>
-                <a:solidFill>
-                  <a:schemeClr val="tx1"/>
-                </a:solidFill>
-                <a:latin typeface="Arial" panose="020B0604020202020204" pitchFamily="34" charset="0"/>
-              </a:defRPr>
-            </a:lvl6pPr>
-            <a:lvl7pPr marL="2971800" indent="-228600" eaLnBrk="0" fontAlgn="base" hangingPunct="0">
-              <a:spcBef>
-                <a:spcPct val="0"/>
-              </a:spcBef>
-              <a:spcAft>
-                <a:spcPct val="0"/>
-              </a:spcAft>
-              <a:defRPr>
-                <a:solidFill>
-                  <a:schemeClr val="tx1"/>
-                </a:solidFill>
-                <a:latin typeface="Arial" panose="020B0604020202020204" pitchFamily="34" charset="0"/>
-              </a:defRPr>
-            </a:lvl7pPr>
-            <a:lvl8pPr marL="3429000" indent="-228600" eaLnBrk="0" fontAlgn="base" hangingPunct="0">
-              <a:spcBef>
-                <a:spcPct val="0"/>
-              </a:spcBef>
-              <a:spcAft>
-                <a:spcPct val="0"/>
-              </a:spcAft>
-              <a:defRPr>
-                <a:solidFill>
-                  <a:schemeClr val="tx1"/>
-                </a:solidFill>
-                <a:latin typeface="Arial" panose="020B0604020202020204" pitchFamily="34" charset="0"/>
-              </a:defRPr>
-            </a:lvl8pPr>
-            <a:lvl9pPr marL="3886200" indent="-228600" eaLnBrk="0" fontAlgn="base" hangingPunct="0">
-              <a:spcBef>
-                <a:spcPct val="0"/>
-              </a:spcBef>
-              <a:spcAft>
-                <a:spcPct val="0"/>
-              </a:spcAft>
-              <a:defRPr>
-                <a:solidFill>
-                  <a:schemeClr val="tx1"/>
-                </a:solidFill>
-                <a:latin typeface="Arial" panose="020B0604020202020204" pitchFamily="34" charset="0"/>
-              </a:defRPr>
-            </a:lvl9pPr>
-          </a:lstStyle>
-          <a:p>
-            <a:r>
-              <a:rPr lang="en-US" altLang="en-US" dirty="0">
-                <a:latin typeface="Garamond" panose="02020404030301010803" pitchFamily="18" charset="0"/>
-              </a:rPr>
-              <a:t>2</a:t>
-            </a:r>
-          </a:p>
-        </p:txBody>
-      </p:sp>
-    </p:spTree>
-    <p:extLst>
-      <p:ext uri="{BB962C8B-B14F-4D97-AF65-F5344CB8AC3E}">
-        <p14:creationId xmlns:p14="http://schemas.microsoft.com/office/powerpoint/2010/main" val="68388682"/>
-      </p:ext>
-    </p:extLst>
-  </p:cSld>
-  <p:clrMapOvr>
-    <a:masterClrMapping/>
-  </p:clrMapOvr>
-  <mc:AlternateContent xmlns:mc="http://schemas.openxmlformats.org/markup-compatibility/2006">
-    <mc:Choice xmlns:p14="http://schemas.microsoft.com/office/powerpoint/2010/main" Requires="p14">
-      <p:transition spd="slow" p14:dur="2000" advTm="3887"/>
-    </mc:Choice>
-    <mc:Fallback>
-      <p:transition spd="slow" advTm="3887"/>
     </mc:Fallback>
   </mc:AlternateContent>
 </p:sld>

--- a/Imen_KADRI_3_presentation_072022.pptx
+++ b/Imen_KADRI_3_presentation_072022.pptx
@@ -7890,13 +7890,18 @@
           <a:p>
             <a:pPr algn="ctr" eaLnBrk="1" hangingPunct="1"/>
             <a:r>
-              <a:rPr lang="fr-FR" altLang="fr-FR" sz="1600" b="1" dirty="0">
+              <a:rPr lang="fr-FR" altLang="fr-FR" sz="1600" b="1">
                 <a:latin typeface="Times New Roman" panose="02020603050405020304" pitchFamily="18" charset="0"/>
                 <a:ea typeface="新細明體" pitchFamily="18" charset="-120"/>
                 <a:cs typeface="Times New Roman" panose="02020603050405020304" pitchFamily="18" charset="0"/>
               </a:rPr>
-              <a:t>XX Juin 2022</a:t>
-            </a:r>
+              <a:t>Juillet 2022</a:t>
+            </a:r>
+            <a:endParaRPr lang="fr-FR" altLang="fr-FR" sz="1600" b="1" dirty="0">
+              <a:latin typeface="Times New Roman" panose="02020603050405020304" pitchFamily="18" charset="0"/>
+              <a:ea typeface="新細明體" pitchFamily="18" charset="-120"/>
+              <a:cs typeface="Times New Roman" panose="02020603050405020304" pitchFamily="18" charset="0"/>
+            </a:endParaRPr>
           </a:p>
           <a:p>
             <a:pPr eaLnBrk="1" hangingPunct="1"/>
@@ -8095,12 +8100,12 @@
   <p:clrMapOvr>
     <a:masterClrMapping/>
   </p:clrMapOvr>
-  <mc:AlternateContent xmlns:mc="http://schemas.openxmlformats.org/markup-compatibility/2006" xmlns:p14="http://schemas.microsoft.com/office/powerpoint/2010/main">
-    <mc:Choice Requires="p14">
-      <p:transition spd="slow" p14:dur="2000" advTm="23779"/>
+  <mc:AlternateContent xmlns:mc="http://schemas.openxmlformats.org/markup-compatibility/2006">
+    <mc:Choice xmlns:p14="http://schemas.microsoft.com/office/powerpoint/2010/main" Requires="p14">
+      <p:transition spd="slow" p14:dur="2000" advTm="30141"/>
     </mc:Choice>
-    <mc:Fallback xmlns="">
-      <p:transition spd="slow" advTm="23779"/>
+    <mc:Fallback>
+      <p:transition spd="slow" advTm="30141"/>
     </mc:Fallback>
   </mc:AlternateContent>
 </p:sld>
@@ -15347,10 +15352,10 @@
   </p:clrMapOvr>
   <mc:AlternateContent xmlns:mc="http://schemas.openxmlformats.org/markup-compatibility/2006">
     <mc:Choice xmlns:p14="http://schemas.microsoft.com/office/powerpoint/2010/main" Requires="p14">
-      <p:transition p14:dur="10" advTm="36266"/>
+      <p:transition p14:dur="10" advTm="48976"/>
     </mc:Choice>
     <mc:Fallback>
-      <p:transition advTm="36266"/>
+      <p:transition advTm="48976"/>
     </mc:Fallback>
   </mc:AlternateContent>
 </p:sld>
@@ -22847,10 +22852,10 @@
   </p:clrMapOvr>
   <mc:AlternateContent xmlns:mc="http://schemas.openxmlformats.org/markup-compatibility/2006">
     <mc:Choice xmlns:p14="http://schemas.microsoft.com/office/powerpoint/2010/main" Requires="p14">
-      <p:transition spd="slow" p14:dur="2000" advTm="38033"/>
+      <p:transition spd="slow" p14:dur="2000" advTm="35096"/>
     </mc:Choice>
     <mc:Fallback>
-      <p:transition spd="slow" advTm="38033"/>
+      <p:transition spd="slow" advTm="35096"/>
     </mc:Fallback>
   </mc:AlternateContent>
 </p:sld>
@@ -23273,10 +23278,10 @@
   </p:clrMapOvr>
   <mc:AlternateContent xmlns:mc="http://schemas.openxmlformats.org/markup-compatibility/2006">
     <mc:Choice xmlns:p14="http://schemas.microsoft.com/office/powerpoint/2010/main" Requires="p14">
-      <p:transition spd="slow" p14:dur="2000" advTm="1724"/>
+      <p:transition spd="slow" p14:dur="2000" advTm="1884"/>
     </mc:Choice>
     <mc:Fallback>
-      <p:transition spd="slow" advTm="1724"/>
+      <p:transition spd="slow" advTm="1884"/>
     </mc:Fallback>
   </mc:AlternateContent>
 </p:sld>
@@ -23734,10 +23739,10 @@
   </p:clrMapOvr>
   <mc:AlternateContent xmlns:mc="http://schemas.openxmlformats.org/markup-compatibility/2006">
     <mc:Choice xmlns:p14="http://schemas.microsoft.com/office/powerpoint/2010/main" Requires="p14">
-      <p:transition spd="slow" p14:dur="2000" advTm="77447"/>
+      <p:transition spd="slow" p14:dur="2000" advTm="25300"/>
     </mc:Choice>
     <mc:Fallback>
-      <p:transition spd="slow" advTm="77447"/>
+      <p:transition spd="slow" advTm="25300"/>
     </mc:Fallback>
   </mc:AlternateContent>
 </p:sld>
